--- a/рубеж 3/презы/ЦАП с К=const.pptx
+++ b/рубеж 3/презы/ЦАП с К=const.pptx
@@ -6,6 +6,17 @@
   </p:sldMasterIdLst>
   <p:sldIdLst>
     <p:sldId id="256" r:id="rId2"/>
+    <p:sldId id="257" r:id="rId3"/>
+    <p:sldId id="258" r:id="rId4"/>
+    <p:sldId id="259" r:id="rId5"/>
+    <p:sldId id="260" r:id="rId6"/>
+    <p:sldId id="261" r:id="rId7"/>
+    <p:sldId id="262" r:id="rId8"/>
+    <p:sldId id="263" r:id="rId9"/>
+    <p:sldId id="264" r:id="rId10"/>
+    <p:sldId id="265" r:id="rId11"/>
+    <p:sldId id="266" r:id="rId12"/>
+    <p:sldId id="267" r:id="rId13"/>
   </p:sldIdLst>
   <p:sldSz cx="12192000" cy="6858000"/>
   <p:notesSz cx="6858000" cy="9144000"/>
@@ -104,6 +115,11 @@
       </a:defRPr>
     </a:lvl9pPr>
   </p:defaultTextStyle>
+  <p:extLst>
+    <p:ext uri="{EFAFB233-063F-42B5-8137-9DF3F51BA10A}">
+      <p15:sldGuideLst xmlns:p15="http://schemas.microsoft.com/office/powerpoint/2012/main"/>
+    </p:ext>
+  </p:extLst>
 </p:presentation>
 </file>
 
@@ -238,7 +254,7 @@
           <a:p>
             <a:fld id="{C890EBD2-1DD1-4F9D-8061-70059B66CA48}" type="datetimeFigureOut">
               <a:rPr lang="ru-RU" smtClean="0"/>
-              <a:t>09.05.2021</a:t>
+              <a:t>11.05.2021</a:t>
             </a:fld>
             <a:endParaRPr lang="ru-RU"/>
           </a:p>
@@ -408,7 +424,7 @@
           <a:p>
             <a:fld id="{C890EBD2-1DD1-4F9D-8061-70059B66CA48}" type="datetimeFigureOut">
               <a:rPr lang="ru-RU" smtClean="0"/>
-              <a:t>09.05.2021</a:t>
+              <a:t>11.05.2021</a:t>
             </a:fld>
             <a:endParaRPr lang="ru-RU"/>
           </a:p>
@@ -588,7 +604,7 @@
           <a:p>
             <a:fld id="{C890EBD2-1DD1-4F9D-8061-70059B66CA48}" type="datetimeFigureOut">
               <a:rPr lang="ru-RU" smtClean="0"/>
-              <a:t>09.05.2021</a:t>
+              <a:t>11.05.2021</a:t>
             </a:fld>
             <a:endParaRPr lang="ru-RU"/>
           </a:p>
@@ -758,7 +774,7 @@
           <a:p>
             <a:fld id="{C890EBD2-1DD1-4F9D-8061-70059B66CA48}" type="datetimeFigureOut">
               <a:rPr lang="ru-RU" smtClean="0"/>
-              <a:t>09.05.2021</a:t>
+              <a:t>11.05.2021</a:t>
             </a:fld>
             <a:endParaRPr lang="ru-RU"/>
           </a:p>
@@ -1004,7 +1020,7 @@
           <a:p>
             <a:fld id="{C890EBD2-1DD1-4F9D-8061-70059B66CA48}" type="datetimeFigureOut">
               <a:rPr lang="ru-RU" smtClean="0"/>
-              <a:t>09.05.2021</a:t>
+              <a:t>11.05.2021</a:t>
             </a:fld>
             <a:endParaRPr lang="ru-RU"/>
           </a:p>
@@ -1236,7 +1252,7 @@
           <a:p>
             <a:fld id="{C890EBD2-1DD1-4F9D-8061-70059B66CA48}" type="datetimeFigureOut">
               <a:rPr lang="ru-RU" smtClean="0"/>
-              <a:t>09.05.2021</a:t>
+              <a:t>11.05.2021</a:t>
             </a:fld>
             <a:endParaRPr lang="ru-RU"/>
           </a:p>
@@ -1603,7 +1619,7 @@
           <a:p>
             <a:fld id="{C890EBD2-1DD1-4F9D-8061-70059B66CA48}" type="datetimeFigureOut">
               <a:rPr lang="ru-RU" smtClean="0"/>
-              <a:t>09.05.2021</a:t>
+              <a:t>11.05.2021</a:t>
             </a:fld>
             <a:endParaRPr lang="ru-RU"/>
           </a:p>
@@ -1721,7 +1737,7 @@
           <a:p>
             <a:fld id="{C890EBD2-1DD1-4F9D-8061-70059B66CA48}" type="datetimeFigureOut">
               <a:rPr lang="ru-RU" smtClean="0"/>
-              <a:t>09.05.2021</a:t>
+              <a:t>11.05.2021</a:t>
             </a:fld>
             <a:endParaRPr lang="ru-RU"/>
           </a:p>
@@ -1816,7 +1832,7 @@
           <a:p>
             <a:fld id="{C890EBD2-1DD1-4F9D-8061-70059B66CA48}" type="datetimeFigureOut">
               <a:rPr lang="ru-RU" smtClean="0"/>
-              <a:t>09.05.2021</a:t>
+              <a:t>11.05.2021</a:t>
             </a:fld>
             <a:endParaRPr lang="ru-RU"/>
           </a:p>
@@ -2093,7 +2109,7 @@
           <a:p>
             <a:fld id="{C890EBD2-1DD1-4F9D-8061-70059B66CA48}" type="datetimeFigureOut">
               <a:rPr lang="ru-RU" smtClean="0"/>
-              <a:t>09.05.2021</a:t>
+              <a:t>11.05.2021</a:t>
             </a:fld>
             <a:endParaRPr lang="ru-RU"/>
           </a:p>
@@ -2346,7 +2362,7 @@
           <a:p>
             <a:fld id="{C890EBD2-1DD1-4F9D-8061-70059B66CA48}" type="datetimeFigureOut">
               <a:rPr lang="ru-RU" smtClean="0"/>
-              <a:t>09.05.2021</a:t>
+              <a:t>11.05.2021</a:t>
             </a:fld>
             <a:endParaRPr lang="ru-RU"/>
           </a:p>
@@ -2559,7 +2575,7 @@
           <a:p>
             <a:fld id="{C890EBD2-1DD1-4F9D-8061-70059B66CA48}" type="datetimeFigureOut">
               <a:rPr lang="ru-RU" smtClean="0"/>
-              <a:t>09.05.2021</a:t>
+              <a:t>11.05.2021</a:t>
             </a:fld>
             <a:endParaRPr lang="ru-RU"/>
           </a:p>
@@ -2977,6 +2993,2768 @@
 </p:sld>
 </file>
 
+<file path=ppt/slides/slide10.xml><?xml version="1.0" encoding="utf-8"?>
+<p:sld xmlns:a="http://schemas.openxmlformats.org/drawingml/2006/main" xmlns:r="http://schemas.openxmlformats.org/officeDocument/2006/relationships" xmlns:p="http://schemas.openxmlformats.org/presentationml/2006/main">
+  <p:cSld>
+    <p:spTree>
+      <p:nvGrpSpPr>
+        <p:cNvPr id="1" name=""/>
+        <p:cNvGrpSpPr/>
+        <p:nvPr/>
+      </p:nvGrpSpPr>
+      <p:grpSpPr>
+        <a:xfrm>
+          <a:off x="0" y="0"/>
+          <a:ext cx="0" cy="0"/>
+          <a:chOff x="0" y="0"/>
+          <a:chExt cx="0" cy="0"/>
+        </a:xfrm>
+      </p:grpSpPr>
+      <p:pic>
+        <p:nvPicPr>
+          <p:cNvPr id="4" name="Рисунок 3"/>
+          <p:cNvPicPr>
+            <a:picLocks noChangeAspect="1"/>
+          </p:cNvPicPr>
+          <p:nvPr/>
+        </p:nvPicPr>
+        <p:blipFill>
+          <a:blip r:embed="rId2"/>
+          <a:stretch>
+            <a:fillRect/>
+          </a:stretch>
+        </p:blipFill>
+        <p:spPr>
+          <a:xfrm>
+            <a:off x="710075" y="362309"/>
+            <a:ext cx="9785153" cy="5080959"/>
+          </a:xfrm>
+          <a:prstGeom prst="rect">
+            <a:avLst/>
+          </a:prstGeom>
+        </p:spPr>
+      </p:pic>
+      <p:sp>
+        <p:nvSpPr>
+          <p:cNvPr id="5" name="Прямоугольник 4"/>
+          <p:cNvSpPr/>
+          <p:nvPr/>
+        </p:nvSpPr>
+        <p:spPr>
+          <a:xfrm>
+            <a:off x="3460492" y="1753571"/>
+            <a:ext cx="2276074" cy="730837"/>
+          </a:xfrm>
+          <a:prstGeom prst="rect">
+            <a:avLst/>
+          </a:prstGeom>
+        </p:spPr>
+        <p:style>
+          <a:lnRef idx="2">
+            <a:schemeClr val="accent1">
+              <a:shade val="50000"/>
+            </a:schemeClr>
+          </a:lnRef>
+          <a:fillRef idx="1">
+            <a:schemeClr val="accent1"/>
+          </a:fillRef>
+          <a:effectRef idx="0">
+            <a:schemeClr val="accent1"/>
+          </a:effectRef>
+          <a:fontRef idx="minor">
+            <a:schemeClr val="lt1"/>
+          </a:fontRef>
+        </p:style>
+        <p:txBody>
+          <a:bodyPr rtlCol="0" anchor="ctr"/>
+          <a:lstStyle/>
+          <a:p>
+            <a:pPr algn="ctr"/>
+            <a:r>
+              <a:rPr lang="ru-RU" dirty="0" smtClean="0"/>
+              <a:t>Устанавливаем </a:t>
+            </a:r>
+            <a:r>
+              <a:rPr lang="en-US" dirty="0" smtClean="0"/>
+              <a:t>SW8=1</a:t>
+            </a:r>
+            <a:endParaRPr lang="ru-RU" dirty="0"/>
+          </a:p>
+        </p:txBody>
+      </p:sp>
+      <p:sp>
+        <p:nvSpPr>
+          <p:cNvPr id="6" name="Прямоугольник 5"/>
+          <p:cNvSpPr/>
+          <p:nvPr/>
+        </p:nvSpPr>
+        <p:spPr>
+          <a:xfrm>
+            <a:off x="7014575" y="4936718"/>
+            <a:ext cx="2976388" cy="1332154"/>
+          </a:xfrm>
+          <a:prstGeom prst="rect">
+            <a:avLst/>
+          </a:prstGeom>
+        </p:spPr>
+        <p:style>
+          <a:lnRef idx="2">
+            <a:schemeClr val="accent1">
+              <a:shade val="50000"/>
+            </a:schemeClr>
+          </a:lnRef>
+          <a:fillRef idx="1">
+            <a:schemeClr val="accent1"/>
+          </a:fillRef>
+          <a:effectRef idx="0">
+            <a:schemeClr val="accent1"/>
+          </a:effectRef>
+          <a:fontRef idx="minor">
+            <a:schemeClr val="lt1"/>
+          </a:fontRef>
+        </p:style>
+        <p:txBody>
+          <a:bodyPr rtlCol="0" anchor="ctr"/>
+          <a:lstStyle/>
+          <a:p>
+            <a:pPr algn="ctr"/>
+            <a:r>
+              <a:rPr lang="ru-RU" dirty="0" smtClean="0"/>
+              <a:t>Смотрим, что сумма показаний вольтметров совпадает с показанием выходного напряжения</a:t>
+            </a:r>
+            <a:endParaRPr lang="ru-RU" dirty="0"/>
+          </a:p>
+        </p:txBody>
+      </p:sp>
+      <p:cxnSp>
+        <p:nvCxnSpPr>
+          <p:cNvPr id="8" name="Прямая со стрелкой 7"/>
+          <p:cNvCxnSpPr/>
+          <p:nvPr/>
+        </p:nvCxnSpPr>
+        <p:spPr>
+          <a:xfrm flipH="1">
+            <a:off x="3209026" y="2484408"/>
+            <a:ext cx="845389" cy="1932317"/>
+          </a:xfrm>
+          <a:prstGeom prst="straightConnector1">
+            <a:avLst/>
+          </a:prstGeom>
+          <a:ln w="38100">
+            <a:tailEnd type="triangle"/>
+          </a:ln>
+        </p:spPr>
+        <p:style>
+          <a:lnRef idx="1">
+            <a:schemeClr val="accent1"/>
+          </a:lnRef>
+          <a:fillRef idx="0">
+            <a:schemeClr val="accent1"/>
+          </a:fillRef>
+          <a:effectRef idx="0">
+            <a:schemeClr val="accent1"/>
+          </a:effectRef>
+          <a:fontRef idx="minor">
+            <a:schemeClr val="tx1"/>
+          </a:fontRef>
+        </p:style>
+      </p:cxnSp>
+      <p:sp>
+        <p:nvSpPr>
+          <p:cNvPr id="9" name="Овал 8"/>
+          <p:cNvSpPr/>
+          <p:nvPr/>
+        </p:nvSpPr>
+        <p:spPr>
+          <a:xfrm>
+            <a:off x="2958860" y="4502989"/>
+            <a:ext cx="501632" cy="386923"/>
+          </a:xfrm>
+          <a:prstGeom prst="ellipse">
+            <a:avLst/>
+          </a:prstGeom>
+          <a:noFill/>
+          <a:ln w="38100">
+            <a:solidFill>
+              <a:srgbClr val="C00000"/>
+            </a:solidFill>
+          </a:ln>
+        </p:spPr>
+        <p:style>
+          <a:lnRef idx="2">
+            <a:schemeClr val="accent1">
+              <a:shade val="50000"/>
+            </a:schemeClr>
+          </a:lnRef>
+          <a:fillRef idx="1">
+            <a:schemeClr val="accent1"/>
+          </a:fillRef>
+          <a:effectRef idx="0">
+            <a:schemeClr val="accent1"/>
+          </a:effectRef>
+          <a:fontRef idx="minor">
+            <a:schemeClr val="lt1"/>
+          </a:fontRef>
+        </p:style>
+        <p:txBody>
+          <a:bodyPr rtlCol="0" anchor="ctr"/>
+          <a:lstStyle/>
+          <a:p>
+            <a:pPr algn="ctr"/>
+            <a:endParaRPr lang="ru-RU"/>
+          </a:p>
+        </p:txBody>
+      </p:sp>
+      <p:sp>
+        <p:nvSpPr>
+          <p:cNvPr id="10" name="Овал 9"/>
+          <p:cNvSpPr/>
+          <p:nvPr/>
+        </p:nvSpPr>
+        <p:spPr>
+          <a:xfrm>
+            <a:off x="3242231" y="4771556"/>
+            <a:ext cx="3772343" cy="531158"/>
+          </a:xfrm>
+          <a:prstGeom prst="ellipse">
+            <a:avLst/>
+          </a:prstGeom>
+          <a:noFill/>
+          <a:ln w="38100">
+            <a:solidFill>
+              <a:srgbClr val="C00000"/>
+            </a:solidFill>
+          </a:ln>
+        </p:spPr>
+        <p:style>
+          <a:lnRef idx="2">
+            <a:schemeClr val="accent1">
+              <a:shade val="50000"/>
+            </a:schemeClr>
+          </a:lnRef>
+          <a:fillRef idx="1">
+            <a:schemeClr val="accent1"/>
+          </a:fillRef>
+          <a:effectRef idx="0">
+            <a:schemeClr val="accent1"/>
+          </a:effectRef>
+          <a:fontRef idx="minor">
+            <a:schemeClr val="lt1"/>
+          </a:fontRef>
+        </p:style>
+        <p:txBody>
+          <a:bodyPr rtlCol="0" anchor="ctr"/>
+          <a:lstStyle/>
+          <a:p>
+            <a:pPr algn="ctr"/>
+            <a:endParaRPr lang="ru-RU"/>
+          </a:p>
+        </p:txBody>
+      </p:sp>
+      <p:sp>
+        <p:nvSpPr>
+          <p:cNvPr id="11" name="Овал 10"/>
+          <p:cNvSpPr/>
+          <p:nvPr/>
+        </p:nvSpPr>
+        <p:spPr>
+          <a:xfrm>
+            <a:off x="9092242" y="3605842"/>
+            <a:ext cx="1535501" cy="646981"/>
+          </a:xfrm>
+          <a:prstGeom prst="ellipse">
+            <a:avLst/>
+          </a:prstGeom>
+          <a:noFill/>
+          <a:ln w="38100">
+            <a:solidFill>
+              <a:srgbClr val="C00000"/>
+            </a:solidFill>
+          </a:ln>
+        </p:spPr>
+        <p:style>
+          <a:lnRef idx="2">
+            <a:schemeClr val="accent1">
+              <a:shade val="50000"/>
+            </a:schemeClr>
+          </a:lnRef>
+          <a:fillRef idx="1">
+            <a:schemeClr val="accent1"/>
+          </a:fillRef>
+          <a:effectRef idx="0">
+            <a:schemeClr val="accent1"/>
+          </a:effectRef>
+          <a:fontRef idx="minor">
+            <a:schemeClr val="lt1"/>
+          </a:fontRef>
+        </p:style>
+        <p:txBody>
+          <a:bodyPr rtlCol="0" anchor="ctr"/>
+          <a:lstStyle/>
+          <a:p>
+            <a:pPr algn="ctr"/>
+            <a:endParaRPr lang="ru-RU"/>
+          </a:p>
+        </p:txBody>
+      </p:sp>
+      <p:cxnSp>
+        <p:nvCxnSpPr>
+          <p:cNvPr id="14" name="Прямая со стрелкой 13"/>
+          <p:cNvCxnSpPr/>
+          <p:nvPr/>
+        </p:nvCxnSpPr>
+        <p:spPr>
+          <a:xfrm flipH="1" flipV="1">
+            <a:off x="5451894" y="5331125"/>
+            <a:ext cx="1449238" cy="534837"/>
+          </a:xfrm>
+          <a:prstGeom prst="straightConnector1">
+            <a:avLst/>
+          </a:prstGeom>
+          <a:ln w="38100">
+            <a:tailEnd type="triangle"/>
+          </a:ln>
+        </p:spPr>
+        <p:style>
+          <a:lnRef idx="1">
+            <a:schemeClr val="accent1"/>
+          </a:lnRef>
+          <a:fillRef idx="0">
+            <a:schemeClr val="accent1"/>
+          </a:fillRef>
+          <a:effectRef idx="0">
+            <a:schemeClr val="accent1"/>
+          </a:effectRef>
+          <a:fontRef idx="minor">
+            <a:schemeClr val="tx1"/>
+          </a:fontRef>
+        </p:style>
+      </p:cxnSp>
+      <p:cxnSp>
+        <p:nvCxnSpPr>
+          <p:cNvPr id="16" name="Прямая со стрелкой 15"/>
+          <p:cNvCxnSpPr/>
+          <p:nvPr/>
+        </p:nvCxnSpPr>
+        <p:spPr>
+          <a:xfrm flipV="1">
+            <a:off x="9730596" y="4289169"/>
+            <a:ext cx="0" cy="600743"/>
+          </a:xfrm>
+          <a:prstGeom prst="straightConnector1">
+            <a:avLst/>
+          </a:prstGeom>
+          <a:ln w="38100">
+            <a:tailEnd type="triangle"/>
+          </a:ln>
+        </p:spPr>
+        <p:style>
+          <a:lnRef idx="1">
+            <a:schemeClr val="accent1"/>
+          </a:lnRef>
+          <a:fillRef idx="0">
+            <a:schemeClr val="accent1"/>
+          </a:fillRef>
+          <a:effectRef idx="0">
+            <a:schemeClr val="accent1"/>
+          </a:effectRef>
+          <a:fontRef idx="minor">
+            <a:schemeClr val="tx1"/>
+          </a:fontRef>
+        </p:style>
+      </p:cxnSp>
+    </p:spTree>
+    <p:extLst>
+      <p:ext uri="{BB962C8B-B14F-4D97-AF65-F5344CB8AC3E}">
+        <p14:creationId xmlns:p14="http://schemas.microsoft.com/office/powerpoint/2010/main" val="4190494171"/>
+      </p:ext>
+    </p:extLst>
+  </p:cSld>
+  <p:clrMapOvr>
+    <a:masterClrMapping/>
+  </p:clrMapOvr>
+</p:sld>
+</file>
+
+<file path=ppt/slides/slide11.xml><?xml version="1.0" encoding="utf-8"?>
+<p:sld xmlns:a="http://schemas.openxmlformats.org/drawingml/2006/main" xmlns:r="http://schemas.openxmlformats.org/officeDocument/2006/relationships" xmlns:p="http://schemas.openxmlformats.org/presentationml/2006/main">
+  <p:cSld>
+    <p:spTree>
+      <p:nvGrpSpPr>
+        <p:cNvPr id="1" name=""/>
+        <p:cNvGrpSpPr/>
+        <p:nvPr/>
+      </p:nvGrpSpPr>
+      <p:grpSpPr>
+        <a:xfrm>
+          <a:off x="0" y="0"/>
+          <a:ext cx="0" cy="0"/>
+          <a:chOff x="0" y="0"/>
+          <a:chExt cx="0" cy="0"/>
+        </a:xfrm>
+      </p:grpSpPr>
+      <p:pic>
+        <p:nvPicPr>
+          <p:cNvPr id="4" name="Рисунок 3"/>
+          <p:cNvPicPr>
+            <a:picLocks noChangeAspect="1"/>
+          </p:cNvPicPr>
+          <p:nvPr/>
+        </p:nvPicPr>
+        <p:blipFill>
+          <a:blip r:embed="rId2"/>
+          <a:stretch>
+            <a:fillRect/>
+          </a:stretch>
+        </p:blipFill>
+        <p:spPr>
+          <a:xfrm>
+            <a:off x="475890" y="286504"/>
+            <a:ext cx="10160480" cy="5289246"/>
+          </a:xfrm>
+          <a:prstGeom prst="rect">
+            <a:avLst/>
+          </a:prstGeom>
+        </p:spPr>
+      </p:pic>
+      <p:sp>
+        <p:nvSpPr>
+          <p:cNvPr id="5" name="Прямоугольник 4"/>
+          <p:cNvSpPr/>
+          <p:nvPr/>
+        </p:nvSpPr>
+        <p:spPr>
+          <a:xfrm>
+            <a:off x="3460492" y="1753571"/>
+            <a:ext cx="2276074" cy="730837"/>
+          </a:xfrm>
+          <a:prstGeom prst="rect">
+            <a:avLst/>
+          </a:prstGeom>
+        </p:spPr>
+        <p:style>
+          <a:lnRef idx="2">
+            <a:schemeClr val="accent1">
+              <a:shade val="50000"/>
+            </a:schemeClr>
+          </a:lnRef>
+          <a:fillRef idx="1">
+            <a:schemeClr val="accent1"/>
+          </a:fillRef>
+          <a:effectRef idx="0">
+            <a:schemeClr val="accent1"/>
+          </a:effectRef>
+          <a:fontRef idx="minor">
+            <a:schemeClr val="lt1"/>
+          </a:fontRef>
+        </p:style>
+        <p:txBody>
+          <a:bodyPr rtlCol="0" anchor="ctr"/>
+          <a:lstStyle/>
+          <a:p>
+            <a:pPr algn="ctr"/>
+            <a:r>
+              <a:rPr lang="ru-RU" dirty="0" smtClean="0"/>
+              <a:t>Устанавливаем </a:t>
+            </a:r>
+            <a:r>
+              <a:rPr lang="en-US" dirty="0" smtClean="0"/>
+              <a:t>SW8=1</a:t>
+            </a:r>
+            <a:r>
+              <a:rPr lang="ru-RU" dirty="0" smtClean="0"/>
+              <a:t> </a:t>
+            </a:r>
+            <a:r>
+              <a:rPr lang="en-US" dirty="0" smtClean="0"/>
+              <a:t>SW6=1</a:t>
+            </a:r>
+            <a:endParaRPr lang="ru-RU" dirty="0"/>
+          </a:p>
+        </p:txBody>
+      </p:sp>
+      <p:cxnSp>
+        <p:nvCxnSpPr>
+          <p:cNvPr id="6" name="Прямая со стрелкой 5"/>
+          <p:cNvCxnSpPr/>
+          <p:nvPr/>
+        </p:nvCxnSpPr>
+        <p:spPr>
+          <a:xfrm flipH="1">
+            <a:off x="3165894" y="2484408"/>
+            <a:ext cx="888522" cy="2123603"/>
+          </a:xfrm>
+          <a:prstGeom prst="straightConnector1">
+            <a:avLst/>
+          </a:prstGeom>
+          <a:ln w="38100">
+            <a:tailEnd type="triangle"/>
+          </a:ln>
+        </p:spPr>
+        <p:style>
+          <a:lnRef idx="1">
+            <a:schemeClr val="accent1"/>
+          </a:lnRef>
+          <a:fillRef idx="0">
+            <a:schemeClr val="accent1"/>
+          </a:fillRef>
+          <a:effectRef idx="0">
+            <a:schemeClr val="accent1"/>
+          </a:effectRef>
+          <a:fontRef idx="minor">
+            <a:schemeClr val="tx1"/>
+          </a:fontRef>
+        </p:style>
+      </p:cxnSp>
+      <p:sp>
+        <p:nvSpPr>
+          <p:cNvPr id="7" name="Овал 6"/>
+          <p:cNvSpPr/>
+          <p:nvPr/>
+        </p:nvSpPr>
+        <p:spPr>
+          <a:xfrm>
+            <a:off x="2735497" y="4589540"/>
+            <a:ext cx="501632" cy="386923"/>
+          </a:xfrm>
+          <a:prstGeom prst="ellipse">
+            <a:avLst/>
+          </a:prstGeom>
+          <a:noFill/>
+          <a:ln w="38100">
+            <a:solidFill>
+              <a:srgbClr val="C00000"/>
+            </a:solidFill>
+          </a:ln>
+        </p:spPr>
+        <p:style>
+          <a:lnRef idx="2">
+            <a:schemeClr val="accent1">
+              <a:shade val="50000"/>
+            </a:schemeClr>
+          </a:lnRef>
+          <a:fillRef idx="1">
+            <a:schemeClr val="accent1"/>
+          </a:fillRef>
+          <a:effectRef idx="0">
+            <a:schemeClr val="accent1"/>
+          </a:effectRef>
+          <a:fontRef idx="minor">
+            <a:schemeClr val="lt1"/>
+          </a:fontRef>
+        </p:style>
+        <p:txBody>
+          <a:bodyPr rtlCol="0" anchor="ctr"/>
+          <a:lstStyle/>
+          <a:p>
+            <a:pPr algn="ctr"/>
+            <a:endParaRPr lang="ru-RU"/>
+          </a:p>
+        </p:txBody>
+      </p:sp>
+      <p:cxnSp>
+        <p:nvCxnSpPr>
+          <p:cNvPr id="9" name="Прямая со стрелкой 8"/>
+          <p:cNvCxnSpPr/>
+          <p:nvPr/>
+        </p:nvCxnSpPr>
+        <p:spPr>
+          <a:xfrm flipH="1" flipV="1">
+            <a:off x="5400135" y="5411245"/>
+            <a:ext cx="1449238" cy="534837"/>
+          </a:xfrm>
+          <a:prstGeom prst="straightConnector1">
+            <a:avLst/>
+          </a:prstGeom>
+          <a:ln w="38100">
+            <a:tailEnd type="triangle"/>
+          </a:ln>
+        </p:spPr>
+        <p:style>
+          <a:lnRef idx="1">
+            <a:schemeClr val="accent1"/>
+          </a:lnRef>
+          <a:fillRef idx="0">
+            <a:schemeClr val="accent1"/>
+          </a:fillRef>
+          <a:effectRef idx="0">
+            <a:schemeClr val="accent1"/>
+          </a:effectRef>
+          <a:fontRef idx="minor">
+            <a:schemeClr val="tx1"/>
+          </a:fontRef>
+        </p:style>
+      </p:cxnSp>
+      <p:sp>
+        <p:nvSpPr>
+          <p:cNvPr id="10" name="Прямоугольник 9"/>
+          <p:cNvSpPr/>
+          <p:nvPr/>
+        </p:nvSpPr>
+        <p:spPr>
+          <a:xfrm>
+            <a:off x="7014575" y="4936718"/>
+            <a:ext cx="2976388" cy="1332154"/>
+          </a:xfrm>
+          <a:prstGeom prst="rect">
+            <a:avLst/>
+          </a:prstGeom>
+        </p:spPr>
+        <p:style>
+          <a:lnRef idx="2">
+            <a:schemeClr val="accent1">
+              <a:shade val="50000"/>
+            </a:schemeClr>
+          </a:lnRef>
+          <a:fillRef idx="1">
+            <a:schemeClr val="accent1"/>
+          </a:fillRef>
+          <a:effectRef idx="0">
+            <a:schemeClr val="accent1"/>
+          </a:effectRef>
+          <a:fontRef idx="minor">
+            <a:schemeClr val="lt1"/>
+          </a:fontRef>
+        </p:style>
+        <p:txBody>
+          <a:bodyPr rtlCol="0" anchor="ctr"/>
+          <a:lstStyle/>
+          <a:p>
+            <a:pPr algn="ctr"/>
+            <a:r>
+              <a:rPr lang="ru-RU" dirty="0" smtClean="0"/>
+              <a:t>Смотрим, что сумма показаний вольтметров совпадает с показанием выходного напряжения</a:t>
+            </a:r>
+            <a:endParaRPr lang="ru-RU" dirty="0"/>
+          </a:p>
+        </p:txBody>
+      </p:sp>
+      <p:sp>
+        <p:nvSpPr>
+          <p:cNvPr id="11" name="Овал 10"/>
+          <p:cNvSpPr/>
+          <p:nvPr/>
+        </p:nvSpPr>
+        <p:spPr>
+          <a:xfrm>
+            <a:off x="9092242" y="3605842"/>
+            <a:ext cx="1535501" cy="646981"/>
+          </a:xfrm>
+          <a:prstGeom prst="ellipse">
+            <a:avLst/>
+          </a:prstGeom>
+          <a:noFill/>
+          <a:ln w="38100">
+            <a:solidFill>
+              <a:srgbClr val="C00000"/>
+            </a:solidFill>
+          </a:ln>
+        </p:spPr>
+        <p:style>
+          <a:lnRef idx="2">
+            <a:schemeClr val="accent1">
+              <a:shade val="50000"/>
+            </a:schemeClr>
+          </a:lnRef>
+          <a:fillRef idx="1">
+            <a:schemeClr val="accent1"/>
+          </a:fillRef>
+          <a:effectRef idx="0">
+            <a:schemeClr val="accent1"/>
+          </a:effectRef>
+          <a:fontRef idx="minor">
+            <a:schemeClr val="lt1"/>
+          </a:fontRef>
+        </p:style>
+        <p:txBody>
+          <a:bodyPr rtlCol="0" anchor="ctr"/>
+          <a:lstStyle/>
+          <a:p>
+            <a:pPr algn="ctr"/>
+            <a:endParaRPr lang="ru-RU"/>
+          </a:p>
+        </p:txBody>
+      </p:sp>
+      <p:cxnSp>
+        <p:nvCxnSpPr>
+          <p:cNvPr id="12" name="Прямая со стрелкой 11"/>
+          <p:cNvCxnSpPr/>
+          <p:nvPr/>
+        </p:nvCxnSpPr>
+        <p:spPr>
+          <a:xfrm flipV="1">
+            <a:off x="9730596" y="4289169"/>
+            <a:ext cx="0" cy="600743"/>
+          </a:xfrm>
+          <a:prstGeom prst="straightConnector1">
+            <a:avLst/>
+          </a:prstGeom>
+          <a:ln w="38100">
+            <a:tailEnd type="triangle"/>
+          </a:ln>
+        </p:spPr>
+        <p:style>
+          <a:lnRef idx="1">
+            <a:schemeClr val="accent1"/>
+          </a:lnRef>
+          <a:fillRef idx="0">
+            <a:schemeClr val="accent1"/>
+          </a:fillRef>
+          <a:effectRef idx="0">
+            <a:schemeClr val="accent1"/>
+          </a:effectRef>
+          <a:fontRef idx="minor">
+            <a:schemeClr val="tx1"/>
+          </a:fontRef>
+        </p:style>
+      </p:cxnSp>
+      <p:sp>
+        <p:nvSpPr>
+          <p:cNvPr id="13" name="Овал 12"/>
+          <p:cNvSpPr/>
+          <p:nvPr/>
+        </p:nvSpPr>
+        <p:spPr>
+          <a:xfrm>
+            <a:off x="2741247" y="3621829"/>
+            <a:ext cx="501632" cy="386923"/>
+          </a:xfrm>
+          <a:prstGeom prst="ellipse">
+            <a:avLst/>
+          </a:prstGeom>
+          <a:noFill/>
+          <a:ln w="38100">
+            <a:solidFill>
+              <a:srgbClr val="C00000"/>
+            </a:solidFill>
+          </a:ln>
+        </p:spPr>
+        <p:style>
+          <a:lnRef idx="2">
+            <a:schemeClr val="accent1">
+              <a:shade val="50000"/>
+            </a:schemeClr>
+          </a:lnRef>
+          <a:fillRef idx="1">
+            <a:schemeClr val="accent1"/>
+          </a:fillRef>
+          <a:effectRef idx="0">
+            <a:schemeClr val="accent1"/>
+          </a:effectRef>
+          <a:fontRef idx="minor">
+            <a:schemeClr val="lt1"/>
+          </a:fontRef>
+        </p:style>
+        <p:txBody>
+          <a:bodyPr rtlCol="0" anchor="ctr"/>
+          <a:lstStyle/>
+          <a:p>
+            <a:pPr algn="ctr"/>
+            <a:endParaRPr lang="ru-RU"/>
+          </a:p>
+        </p:txBody>
+      </p:sp>
+      <p:cxnSp>
+        <p:nvCxnSpPr>
+          <p:cNvPr id="16" name="Прямая со стрелкой 15"/>
+          <p:cNvCxnSpPr/>
+          <p:nvPr/>
+        </p:nvCxnSpPr>
+        <p:spPr>
+          <a:xfrm flipH="1">
+            <a:off x="3237129" y="2484408"/>
+            <a:ext cx="584373" cy="1121434"/>
+          </a:xfrm>
+          <a:prstGeom prst="straightConnector1">
+            <a:avLst/>
+          </a:prstGeom>
+          <a:ln w="38100">
+            <a:tailEnd type="triangle"/>
+          </a:ln>
+        </p:spPr>
+        <p:style>
+          <a:lnRef idx="1">
+            <a:schemeClr val="accent1"/>
+          </a:lnRef>
+          <a:fillRef idx="0">
+            <a:schemeClr val="accent1"/>
+          </a:fillRef>
+          <a:effectRef idx="0">
+            <a:schemeClr val="accent1"/>
+          </a:effectRef>
+          <a:fontRef idx="minor">
+            <a:schemeClr val="tx1"/>
+          </a:fontRef>
+        </p:style>
+      </p:cxnSp>
+      <p:sp>
+        <p:nvSpPr>
+          <p:cNvPr id="17" name="Овал 16"/>
+          <p:cNvSpPr/>
+          <p:nvPr/>
+        </p:nvSpPr>
+        <p:spPr>
+          <a:xfrm>
+            <a:off x="3237129" y="4838766"/>
+            <a:ext cx="3772343" cy="531158"/>
+          </a:xfrm>
+          <a:prstGeom prst="ellipse">
+            <a:avLst/>
+          </a:prstGeom>
+          <a:noFill/>
+          <a:ln w="38100">
+            <a:solidFill>
+              <a:srgbClr val="C00000"/>
+            </a:solidFill>
+          </a:ln>
+        </p:spPr>
+        <p:style>
+          <a:lnRef idx="2">
+            <a:schemeClr val="accent1">
+              <a:shade val="50000"/>
+            </a:schemeClr>
+          </a:lnRef>
+          <a:fillRef idx="1">
+            <a:schemeClr val="accent1"/>
+          </a:fillRef>
+          <a:effectRef idx="0">
+            <a:schemeClr val="accent1"/>
+          </a:effectRef>
+          <a:fontRef idx="minor">
+            <a:schemeClr val="lt1"/>
+          </a:fontRef>
+        </p:style>
+        <p:txBody>
+          <a:bodyPr rtlCol="0" anchor="ctr"/>
+          <a:lstStyle/>
+          <a:p>
+            <a:pPr algn="ctr"/>
+            <a:endParaRPr lang="ru-RU"/>
+          </a:p>
+        </p:txBody>
+      </p:sp>
+    </p:spTree>
+    <p:extLst>
+      <p:ext uri="{BB962C8B-B14F-4D97-AF65-F5344CB8AC3E}">
+        <p14:creationId xmlns:p14="http://schemas.microsoft.com/office/powerpoint/2010/main" val="1595053310"/>
+      </p:ext>
+    </p:extLst>
+  </p:cSld>
+  <p:clrMapOvr>
+    <a:masterClrMapping/>
+  </p:clrMapOvr>
+</p:sld>
+</file>
+
+<file path=ppt/slides/slide12.xml><?xml version="1.0" encoding="utf-8"?>
+<p:sld xmlns:a="http://schemas.openxmlformats.org/drawingml/2006/main" xmlns:r="http://schemas.openxmlformats.org/officeDocument/2006/relationships" xmlns:p="http://schemas.openxmlformats.org/presentationml/2006/main">
+  <p:cSld>
+    <p:spTree>
+      <p:nvGrpSpPr>
+        <p:cNvPr id="1" name=""/>
+        <p:cNvGrpSpPr/>
+        <p:nvPr/>
+      </p:nvGrpSpPr>
+      <p:grpSpPr>
+        <a:xfrm>
+          <a:off x="0" y="0"/>
+          <a:ext cx="0" cy="0"/>
+          <a:chOff x="0" y="0"/>
+          <a:chExt cx="0" cy="0"/>
+        </a:xfrm>
+      </p:grpSpPr>
+      <p:pic>
+        <p:nvPicPr>
+          <p:cNvPr id="4" name="Рисунок 3"/>
+          <p:cNvPicPr>
+            <a:picLocks noChangeAspect="1"/>
+          </p:cNvPicPr>
+          <p:nvPr/>
+        </p:nvPicPr>
+        <p:blipFill>
+          <a:blip r:embed="rId2"/>
+          <a:stretch>
+            <a:fillRect/>
+          </a:stretch>
+        </p:blipFill>
+        <p:spPr>
+          <a:xfrm>
+            <a:off x="1052422" y="656175"/>
+            <a:ext cx="9297935" cy="5641107"/>
+          </a:xfrm>
+          <a:prstGeom prst="rect">
+            <a:avLst/>
+          </a:prstGeom>
+        </p:spPr>
+      </p:pic>
+      <p:sp>
+        <p:nvSpPr>
+          <p:cNvPr id="5" name="Прямоугольник 4"/>
+          <p:cNvSpPr/>
+          <p:nvPr/>
+        </p:nvSpPr>
+        <p:spPr>
+          <a:xfrm>
+            <a:off x="8686526" y="2961268"/>
+            <a:ext cx="2976388" cy="1332154"/>
+          </a:xfrm>
+          <a:prstGeom prst="rect">
+            <a:avLst/>
+          </a:prstGeom>
+        </p:spPr>
+        <p:style>
+          <a:lnRef idx="2">
+            <a:schemeClr val="accent1">
+              <a:shade val="50000"/>
+            </a:schemeClr>
+          </a:lnRef>
+          <a:fillRef idx="1">
+            <a:schemeClr val="accent1"/>
+          </a:fillRef>
+          <a:effectRef idx="0">
+            <a:schemeClr val="accent1"/>
+          </a:effectRef>
+          <a:fontRef idx="minor">
+            <a:schemeClr val="lt1"/>
+          </a:fontRef>
+        </p:style>
+        <p:txBody>
+          <a:bodyPr rtlCol="0" anchor="ctr"/>
+          <a:lstStyle/>
+          <a:p>
+            <a:pPr algn="ctr"/>
+            <a:r>
+              <a:rPr lang="ru-RU" dirty="0" smtClean="0"/>
+              <a:t>Составляем таблицу «Двоичный код – Показания вольтметров – Выходное напряжение»</a:t>
+            </a:r>
+            <a:endParaRPr lang="ru-RU" dirty="0"/>
+          </a:p>
+        </p:txBody>
+      </p:sp>
+    </p:spTree>
+    <p:extLst>
+      <p:ext uri="{BB962C8B-B14F-4D97-AF65-F5344CB8AC3E}">
+        <p14:creationId xmlns:p14="http://schemas.microsoft.com/office/powerpoint/2010/main" val="3705494546"/>
+      </p:ext>
+    </p:extLst>
+  </p:cSld>
+  <p:clrMapOvr>
+    <a:masterClrMapping/>
+  </p:clrMapOvr>
+</p:sld>
+</file>
+
+<file path=ppt/slides/slide2.xml><?xml version="1.0" encoding="utf-8"?>
+<p:sld xmlns:a="http://schemas.openxmlformats.org/drawingml/2006/main" xmlns:r="http://schemas.openxmlformats.org/officeDocument/2006/relationships" xmlns:p="http://schemas.openxmlformats.org/presentationml/2006/main">
+  <p:cSld>
+    <p:spTree>
+      <p:nvGrpSpPr>
+        <p:cNvPr id="1" name=""/>
+        <p:cNvGrpSpPr/>
+        <p:nvPr/>
+      </p:nvGrpSpPr>
+      <p:grpSpPr>
+        <a:xfrm>
+          <a:off x="0" y="0"/>
+          <a:ext cx="0" cy="0"/>
+          <a:chOff x="0" y="0"/>
+          <a:chExt cx="0" cy="0"/>
+        </a:xfrm>
+      </p:grpSpPr>
+      <p:pic>
+        <p:nvPicPr>
+          <p:cNvPr id="5" name="Рисунок 4"/>
+          <p:cNvPicPr>
+            <a:picLocks noChangeAspect="1"/>
+          </p:cNvPicPr>
+          <p:nvPr/>
+        </p:nvPicPr>
+        <p:blipFill>
+          <a:blip r:embed="rId2"/>
+          <a:stretch>
+            <a:fillRect/>
+          </a:stretch>
+        </p:blipFill>
+        <p:spPr>
+          <a:xfrm>
+            <a:off x="1121433" y="637631"/>
+            <a:ext cx="8056525" cy="5073056"/>
+          </a:xfrm>
+          <a:prstGeom prst="rect">
+            <a:avLst/>
+          </a:prstGeom>
+        </p:spPr>
+      </p:pic>
+      <p:sp>
+        <p:nvSpPr>
+          <p:cNvPr id="12" name="Прямоугольник 11"/>
+          <p:cNvSpPr/>
+          <p:nvPr/>
+        </p:nvSpPr>
+        <p:spPr>
+          <a:xfrm>
+            <a:off x="3985129" y="5085272"/>
+            <a:ext cx="2329132" cy="1250830"/>
+          </a:xfrm>
+          <a:prstGeom prst="rect">
+            <a:avLst/>
+          </a:prstGeom>
+        </p:spPr>
+        <p:style>
+          <a:lnRef idx="2">
+            <a:schemeClr val="accent1">
+              <a:shade val="50000"/>
+            </a:schemeClr>
+          </a:lnRef>
+          <a:fillRef idx="1">
+            <a:schemeClr val="accent1"/>
+          </a:fillRef>
+          <a:effectRef idx="0">
+            <a:schemeClr val="accent1"/>
+          </a:effectRef>
+          <a:fontRef idx="minor">
+            <a:schemeClr val="lt1"/>
+          </a:fontRef>
+        </p:style>
+        <p:txBody>
+          <a:bodyPr rtlCol="0" anchor="ctr"/>
+          <a:lstStyle/>
+          <a:p>
+            <a:pPr algn="ctr"/>
+            <a:r>
+              <a:rPr lang="ru-RU" dirty="0" smtClean="0"/>
+              <a:t>Устанавливаем на рабочем поле резисторы (вкладка </a:t>
+            </a:r>
+            <a:r>
+              <a:rPr lang="en-US" dirty="0" smtClean="0"/>
+              <a:t>Basic – Resistor)</a:t>
+            </a:r>
+            <a:endParaRPr lang="ru-RU" dirty="0"/>
+          </a:p>
+        </p:txBody>
+      </p:sp>
+      <p:sp>
+        <p:nvSpPr>
+          <p:cNvPr id="13" name="Овал 12"/>
+          <p:cNvSpPr/>
+          <p:nvPr/>
+        </p:nvSpPr>
+        <p:spPr>
+          <a:xfrm>
+            <a:off x="1121433" y="1362974"/>
+            <a:ext cx="414069" cy="345056"/>
+          </a:xfrm>
+          <a:prstGeom prst="ellipse">
+            <a:avLst/>
+          </a:prstGeom>
+          <a:noFill/>
+          <a:ln w="38100">
+            <a:solidFill>
+              <a:srgbClr val="C00000"/>
+            </a:solidFill>
+          </a:ln>
+        </p:spPr>
+        <p:style>
+          <a:lnRef idx="2">
+            <a:schemeClr val="accent1">
+              <a:shade val="50000"/>
+            </a:schemeClr>
+          </a:lnRef>
+          <a:fillRef idx="1">
+            <a:schemeClr val="accent1"/>
+          </a:fillRef>
+          <a:effectRef idx="0">
+            <a:schemeClr val="accent1"/>
+          </a:effectRef>
+          <a:fontRef idx="minor">
+            <a:schemeClr val="lt1"/>
+          </a:fontRef>
+        </p:style>
+        <p:txBody>
+          <a:bodyPr rtlCol="0" anchor="ctr"/>
+          <a:lstStyle/>
+          <a:p>
+            <a:pPr algn="ctr"/>
+            <a:endParaRPr lang="ru-RU"/>
+          </a:p>
+        </p:txBody>
+      </p:sp>
+      <p:sp>
+        <p:nvSpPr>
+          <p:cNvPr id="14" name="Овал 13"/>
+          <p:cNvSpPr/>
+          <p:nvPr/>
+        </p:nvSpPr>
+        <p:spPr>
+          <a:xfrm>
+            <a:off x="2734574" y="1190445"/>
+            <a:ext cx="215660" cy="345057"/>
+          </a:xfrm>
+          <a:prstGeom prst="ellipse">
+            <a:avLst/>
+          </a:prstGeom>
+          <a:noFill/>
+          <a:ln w="38100">
+            <a:solidFill>
+              <a:srgbClr val="C00000"/>
+            </a:solidFill>
+          </a:ln>
+        </p:spPr>
+        <p:style>
+          <a:lnRef idx="2">
+            <a:schemeClr val="accent1">
+              <a:shade val="50000"/>
+            </a:schemeClr>
+          </a:lnRef>
+          <a:fillRef idx="1">
+            <a:schemeClr val="accent1"/>
+          </a:fillRef>
+          <a:effectRef idx="0">
+            <a:schemeClr val="accent1"/>
+          </a:effectRef>
+          <a:fontRef idx="minor">
+            <a:schemeClr val="lt1"/>
+          </a:fontRef>
+        </p:style>
+        <p:txBody>
+          <a:bodyPr rtlCol="0" anchor="ctr"/>
+          <a:lstStyle/>
+          <a:p>
+            <a:pPr algn="ctr"/>
+            <a:endParaRPr lang="ru-RU"/>
+          </a:p>
+        </p:txBody>
+      </p:sp>
+      <p:cxnSp>
+        <p:nvCxnSpPr>
+          <p:cNvPr id="16" name="Прямая со стрелкой 15"/>
+          <p:cNvCxnSpPr/>
+          <p:nvPr/>
+        </p:nvCxnSpPr>
+        <p:spPr>
+          <a:xfrm flipH="1" flipV="1">
+            <a:off x="3381555" y="3174159"/>
+            <a:ext cx="681487" cy="1829162"/>
+          </a:xfrm>
+          <a:prstGeom prst="straightConnector1">
+            <a:avLst/>
+          </a:prstGeom>
+          <a:ln w="38100">
+            <a:tailEnd type="triangle"/>
+          </a:ln>
+        </p:spPr>
+        <p:style>
+          <a:lnRef idx="1">
+            <a:schemeClr val="accent1"/>
+          </a:lnRef>
+          <a:fillRef idx="0">
+            <a:schemeClr val="accent1"/>
+          </a:fillRef>
+          <a:effectRef idx="0">
+            <a:schemeClr val="accent1"/>
+          </a:effectRef>
+          <a:fontRef idx="minor">
+            <a:schemeClr val="tx1"/>
+          </a:fontRef>
+        </p:style>
+      </p:cxnSp>
+      <p:cxnSp>
+        <p:nvCxnSpPr>
+          <p:cNvPr id="18" name="Прямая со стрелкой 17"/>
+          <p:cNvCxnSpPr/>
+          <p:nvPr/>
+        </p:nvCxnSpPr>
+        <p:spPr>
+          <a:xfrm flipH="1" flipV="1">
+            <a:off x="3355675" y="4520242"/>
+            <a:ext cx="629454" cy="767750"/>
+          </a:xfrm>
+          <a:prstGeom prst="straightConnector1">
+            <a:avLst/>
+          </a:prstGeom>
+          <a:ln w="38100">
+            <a:tailEnd type="triangle"/>
+          </a:ln>
+        </p:spPr>
+        <p:style>
+          <a:lnRef idx="1">
+            <a:schemeClr val="accent1"/>
+          </a:lnRef>
+          <a:fillRef idx="0">
+            <a:schemeClr val="accent1"/>
+          </a:fillRef>
+          <a:effectRef idx="0">
+            <a:schemeClr val="accent1"/>
+          </a:effectRef>
+          <a:fontRef idx="minor">
+            <a:schemeClr val="tx1"/>
+          </a:fontRef>
+        </p:style>
+      </p:cxnSp>
+      <p:cxnSp>
+        <p:nvCxnSpPr>
+          <p:cNvPr id="20" name="Прямая со стрелкой 19"/>
+          <p:cNvCxnSpPr/>
+          <p:nvPr/>
+        </p:nvCxnSpPr>
+        <p:spPr>
+          <a:xfrm flipV="1">
+            <a:off x="5900468" y="2915728"/>
+            <a:ext cx="1302589" cy="2087593"/>
+          </a:xfrm>
+          <a:prstGeom prst="straightConnector1">
+            <a:avLst/>
+          </a:prstGeom>
+          <a:ln w="38100">
+            <a:tailEnd type="triangle"/>
+          </a:ln>
+        </p:spPr>
+        <p:style>
+          <a:lnRef idx="1">
+            <a:schemeClr val="accent1"/>
+          </a:lnRef>
+          <a:fillRef idx="0">
+            <a:schemeClr val="accent1"/>
+          </a:fillRef>
+          <a:effectRef idx="0">
+            <a:schemeClr val="accent1"/>
+          </a:effectRef>
+          <a:fontRef idx="minor">
+            <a:schemeClr val="tx1"/>
+          </a:fontRef>
+        </p:style>
+      </p:cxnSp>
+      <p:cxnSp>
+        <p:nvCxnSpPr>
+          <p:cNvPr id="22" name="Прямая со стрелкой 21"/>
+          <p:cNvCxnSpPr/>
+          <p:nvPr/>
+        </p:nvCxnSpPr>
+        <p:spPr>
+          <a:xfrm flipV="1">
+            <a:off x="6392174" y="4520242"/>
+            <a:ext cx="845388" cy="767750"/>
+          </a:xfrm>
+          <a:prstGeom prst="straightConnector1">
+            <a:avLst/>
+          </a:prstGeom>
+          <a:ln w="38100">
+            <a:tailEnd type="triangle"/>
+          </a:ln>
+        </p:spPr>
+        <p:style>
+          <a:lnRef idx="1">
+            <a:schemeClr val="accent1"/>
+          </a:lnRef>
+          <a:fillRef idx="0">
+            <a:schemeClr val="accent1"/>
+          </a:fillRef>
+          <a:effectRef idx="0">
+            <a:schemeClr val="accent1"/>
+          </a:effectRef>
+          <a:fontRef idx="minor">
+            <a:schemeClr val="tx1"/>
+          </a:fontRef>
+        </p:style>
+      </p:cxnSp>
+    </p:spTree>
+    <p:extLst>
+      <p:ext uri="{BB962C8B-B14F-4D97-AF65-F5344CB8AC3E}">
+        <p14:creationId xmlns:p14="http://schemas.microsoft.com/office/powerpoint/2010/main" val="3003277461"/>
+      </p:ext>
+    </p:extLst>
+  </p:cSld>
+  <p:clrMapOvr>
+    <a:masterClrMapping/>
+  </p:clrMapOvr>
+</p:sld>
+</file>
+
+<file path=ppt/slides/slide3.xml><?xml version="1.0" encoding="utf-8"?>
+<p:sld xmlns:a="http://schemas.openxmlformats.org/drawingml/2006/main" xmlns:r="http://schemas.openxmlformats.org/officeDocument/2006/relationships" xmlns:p="http://schemas.openxmlformats.org/presentationml/2006/main">
+  <p:cSld>
+    <p:spTree>
+      <p:nvGrpSpPr>
+        <p:cNvPr id="1" name=""/>
+        <p:cNvGrpSpPr/>
+        <p:nvPr/>
+      </p:nvGrpSpPr>
+      <p:grpSpPr>
+        <a:xfrm>
+          <a:off x="0" y="0"/>
+          <a:ext cx="0" cy="0"/>
+          <a:chOff x="0" y="0"/>
+          <a:chExt cx="0" cy="0"/>
+        </a:xfrm>
+      </p:grpSpPr>
+      <p:pic>
+        <p:nvPicPr>
+          <p:cNvPr id="4" name="Рисунок 3"/>
+          <p:cNvPicPr>
+            <a:picLocks noChangeAspect="1"/>
+          </p:cNvPicPr>
+          <p:nvPr/>
+        </p:nvPicPr>
+        <p:blipFill>
+          <a:blip r:embed="rId2"/>
+          <a:stretch>
+            <a:fillRect/>
+          </a:stretch>
+        </p:blipFill>
+        <p:spPr>
+          <a:xfrm>
+            <a:off x="1431985" y="492961"/>
+            <a:ext cx="8459527" cy="5303989"/>
+          </a:xfrm>
+          <a:prstGeom prst="rect">
+            <a:avLst/>
+          </a:prstGeom>
+        </p:spPr>
+      </p:pic>
+      <p:sp>
+        <p:nvSpPr>
+          <p:cNvPr id="5" name="Прямоугольник 4"/>
+          <p:cNvSpPr/>
+          <p:nvPr/>
+        </p:nvSpPr>
+        <p:spPr>
+          <a:xfrm>
+            <a:off x="5382608" y="3144955"/>
+            <a:ext cx="2329132" cy="1332154"/>
+          </a:xfrm>
+          <a:prstGeom prst="rect">
+            <a:avLst/>
+          </a:prstGeom>
+        </p:spPr>
+        <p:style>
+          <a:lnRef idx="2">
+            <a:schemeClr val="accent1">
+              <a:shade val="50000"/>
+            </a:schemeClr>
+          </a:lnRef>
+          <a:fillRef idx="1">
+            <a:schemeClr val="accent1"/>
+          </a:fillRef>
+          <a:effectRef idx="0">
+            <a:schemeClr val="accent1"/>
+          </a:effectRef>
+          <a:fontRef idx="minor">
+            <a:schemeClr val="lt1"/>
+          </a:fontRef>
+        </p:style>
+        <p:txBody>
+          <a:bodyPr rtlCol="0" anchor="ctr"/>
+          <a:lstStyle/>
+          <a:p>
+            <a:pPr algn="ctr"/>
+            <a:r>
+              <a:rPr lang="ru-RU" dirty="0" smtClean="0"/>
+              <a:t>Устанавливаем на рабочем поле переключатели (вкладка </a:t>
+            </a:r>
+            <a:r>
+              <a:rPr lang="en-US" dirty="0" smtClean="0"/>
+              <a:t>Switches – Alternate Switch)</a:t>
+            </a:r>
+            <a:endParaRPr lang="ru-RU" dirty="0"/>
+          </a:p>
+        </p:txBody>
+      </p:sp>
+      <p:cxnSp>
+        <p:nvCxnSpPr>
+          <p:cNvPr id="7" name="Прямая со стрелкой 6"/>
+          <p:cNvCxnSpPr/>
+          <p:nvPr/>
+        </p:nvCxnSpPr>
+        <p:spPr>
+          <a:xfrm flipH="1" flipV="1">
+            <a:off x="4520242" y="2053087"/>
+            <a:ext cx="974784" cy="1091869"/>
+          </a:xfrm>
+          <a:prstGeom prst="straightConnector1">
+            <a:avLst/>
+          </a:prstGeom>
+          <a:ln w="38100">
+            <a:tailEnd type="triangle"/>
+          </a:ln>
+        </p:spPr>
+        <p:style>
+          <a:lnRef idx="1">
+            <a:schemeClr val="accent1"/>
+          </a:lnRef>
+          <a:fillRef idx="0">
+            <a:schemeClr val="accent1"/>
+          </a:fillRef>
+          <a:effectRef idx="0">
+            <a:schemeClr val="accent1"/>
+          </a:effectRef>
+          <a:fontRef idx="minor">
+            <a:schemeClr val="tx1"/>
+          </a:fontRef>
+        </p:style>
+      </p:cxnSp>
+      <p:cxnSp>
+        <p:nvCxnSpPr>
+          <p:cNvPr id="9" name="Прямая со стрелкой 8"/>
+          <p:cNvCxnSpPr/>
+          <p:nvPr/>
+        </p:nvCxnSpPr>
+        <p:spPr>
+          <a:xfrm flipH="1" flipV="1">
+            <a:off x="4572000" y="3493698"/>
+            <a:ext cx="638355" cy="34506"/>
+          </a:xfrm>
+          <a:prstGeom prst="straightConnector1">
+            <a:avLst/>
+          </a:prstGeom>
+          <a:ln w="38100">
+            <a:tailEnd type="triangle"/>
+          </a:ln>
+        </p:spPr>
+        <p:style>
+          <a:lnRef idx="1">
+            <a:schemeClr val="accent1"/>
+          </a:lnRef>
+          <a:fillRef idx="0">
+            <a:schemeClr val="accent1"/>
+          </a:fillRef>
+          <a:effectRef idx="0">
+            <a:schemeClr val="accent1"/>
+          </a:effectRef>
+          <a:fontRef idx="minor">
+            <a:schemeClr val="tx1"/>
+          </a:fontRef>
+        </p:style>
+      </p:cxnSp>
+      <p:cxnSp>
+        <p:nvCxnSpPr>
+          <p:cNvPr id="11" name="Прямая со стрелкой 10"/>
+          <p:cNvCxnSpPr/>
+          <p:nvPr/>
+        </p:nvCxnSpPr>
+        <p:spPr>
+          <a:xfrm flipH="1">
+            <a:off x="4520242" y="4088921"/>
+            <a:ext cx="750498" cy="1190445"/>
+          </a:xfrm>
+          <a:prstGeom prst="straightConnector1">
+            <a:avLst/>
+          </a:prstGeom>
+          <a:ln w="38100">
+            <a:tailEnd type="triangle"/>
+          </a:ln>
+        </p:spPr>
+        <p:style>
+          <a:lnRef idx="1">
+            <a:schemeClr val="accent1"/>
+          </a:lnRef>
+          <a:fillRef idx="0">
+            <a:schemeClr val="accent1"/>
+          </a:fillRef>
+          <a:effectRef idx="0">
+            <a:schemeClr val="accent1"/>
+          </a:effectRef>
+          <a:fontRef idx="minor">
+            <a:schemeClr val="tx1"/>
+          </a:fontRef>
+        </p:style>
+      </p:cxnSp>
+      <p:sp>
+        <p:nvSpPr>
+          <p:cNvPr id="13" name="Овал 12"/>
+          <p:cNvSpPr/>
+          <p:nvPr/>
+        </p:nvSpPr>
+        <p:spPr>
+          <a:xfrm>
+            <a:off x="1777042" y="1337094"/>
+            <a:ext cx="362309" cy="232914"/>
+          </a:xfrm>
+          <a:prstGeom prst="ellipse">
+            <a:avLst/>
+          </a:prstGeom>
+          <a:noFill/>
+          <a:ln w="38100">
+            <a:solidFill>
+              <a:srgbClr val="C00000"/>
+            </a:solidFill>
+          </a:ln>
+        </p:spPr>
+        <p:style>
+          <a:lnRef idx="2">
+            <a:schemeClr val="accent1">
+              <a:shade val="50000"/>
+            </a:schemeClr>
+          </a:lnRef>
+          <a:fillRef idx="1">
+            <a:schemeClr val="accent1"/>
+          </a:fillRef>
+          <a:effectRef idx="0">
+            <a:schemeClr val="accent1"/>
+          </a:effectRef>
+          <a:fontRef idx="minor">
+            <a:schemeClr val="lt1"/>
+          </a:fontRef>
+        </p:style>
+        <p:txBody>
+          <a:bodyPr rtlCol="0" anchor="ctr"/>
+          <a:lstStyle/>
+          <a:p>
+            <a:pPr algn="ctr"/>
+            <a:endParaRPr lang="ru-RU"/>
+          </a:p>
+        </p:txBody>
+      </p:sp>
+      <p:sp>
+        <p:nvSpPr>
+          <p:cNvPr id="14" name="Овал 13"/>
+          <p:cNvSpPr/>
+          <p:nvPr/>
+        </p:nvSpPr>
+        <p:spPr>
+          <a:xfrm>
+            <a:off x="1777042" y="1086928"/>
+            <a:ext cx="284671" cy="310551"/>
+          </a:xfrm>
+          <a:prstGeom prst="ellipse">
+            <a:avLst/>
+          </a:prstGeom>
+          <a:noFill/>
+          <a:ln w="38100"/>
+        </p:spPr>
+        <p:style>
+          <a:lnRef idx="2">
+            <a:schemeClr val="accent1">
+              <a:shade val="50000"/>
+            </a:schemeClr>
+          </a:lnRef>
+          <a:fillRef idx="1">
+            <a:schemeClr val="accent1"/>
+          </a:fillRef>
+          <a:effectRef idx="0">
+            <a:schemeClr val="accent1"/>
+          </a:effectRef>
+          <a:fontRef idx="minor">
+            <a:schemeClr val="lt1"/>
+          </a:fontRef>
+        </p:style>
+        <p:txBody>
+          <a:bodyPr rtlCol="0" anchor="ctr"/>
+          <a:lstStyle/>
+          <a:p>
+            <a:pPr algn="ctr"/>
+            <a:endParaRPr lang="ru-RU"/>
+          </a:p>
+        </p:txBody>
+      </p:sp>
+    </p:spTree>
+    <p:extLst>
+      <p:ext uri="{BB962C8B-B14F-4D97-AF65-F5344CB8AC3E}">
+        <p14:creationId xmlns:p14="http://schemas.microsoft.com/office/powerpoint/2010/main" val="520284494"/>
+      </p:ext>
+    </p:extLst>
+  </p:cSld>
+  <p:clrMapOvr>
+    <a:masterClrMapping/>
+  </p:clrMapOvr>
+</p:sld>
+</file>
+
+<file path=ppt/slides/slide4.xml><?xml version="1.0" encoding="utf-8"?>
+<p:sld xmlns:a="http://schemas.openxmlformats.org/drawingml/2006/main" xmlns:r="http://schemas.openxmlformats.org/officeDocument/2006/relationships" xmlns:p="http://schemas.openxmlformats.org/presentationml/2006/main">
+  <p:cSld>
+    <p:spTree>
+      <p:nvGrpSpPr>
+        <p:cNvPr id="1" name=""/>
+        <p:cNvGrpSpPr/>
+        <p:nvPr/>
+      </p:nvGrpSpPr>
+      <p:grpSpPr>
+        <a:xfrm>
+          <a:off x="0" y="0"/>
+          <a:ext cx="0" cy="0"/>
+          <a:chOff x="0" y="0"/>
+          <a:chExt cx="0" cy="0"/>
+        </a:xfrm>
+      </p:grpSpPr>
+      <p:pic>
+        <p:nvPicPr>
+          <p:cNvPr id="4" name="Рисунок 3"/>
+          <p:cNvPicPr>
+            <a:picLocks noChangeAspect="1"/>
+          </p:cNvPicPr>
+          <p:nvPr/>
+        </p:nvPicPr>
+        <p:blipFill>
+          <a:blip r:embed="rId2"/>
+          <a:stretch>
+            <a:fillRect/>
+          </a:stretch>
+        </p:blipFill>
+        <p:spPr>
+          <a:xfrm>
+            <a:off x="1268081" y="492664"/>
+            <a:ext cx="8786323" cy="5580331"/>
+          </a:xfrm>
+          <a:prstGeom prst="rect">
+            <a:avLst/>
+          </a:prstGeom>
+        </p:spPr>
+      </p:pic>
+      <p:sp>
+        <p:nvSpPr>
+          <p:cNvPr id="5" name="Прямоугольник 4"/>
+          <p:cNvSpPr/>
+          <p:nvPr/>
+        </p:nvSpPr>
+        <p:spPr>
+          <a:xfrm>
+            <a:off x="4865023" y="4145619"/>
+            <a:ext cx="2976388" cy="1332154"/>
+          </a:xfrm>
+          <a:prstGeom prst="rect">
+            <a:avLst/>
+          </a:prstGeom>
+        </p:spPr>
+        <p:style>
+          <a:lnRef idx="2">
+            <a:schemeClr val="accent1">
+              <a:shade val="50000"/>
+            </a:schemeClr>
+          </a:lnRef>
+          <a:fillRef idx="1">
+            <a:schemeClr val="accent1"/>
+          </a:fillRef>
+          <a:effectRef idx="0">
+            <a:schemeClr val="accent1"/>
+          </a:effectRef>
+          <a:fontRef idx="minor">
+            <a:schemeClr val="lt1"/>
+          </a:fontRef>
+        </p:style>
+        <p:txBody>
+          <a:bodyPr rtlCol="0" anchor="ctr"/>
+          <a:lstStyle/>
+          <a:p>
+            <a:pPr algn="ctr"/>
+            <a:r>
+              <a:rPr lang="ru-RU" dirty="0" smtClean="0"/>
+              <a:t>Устанавливаем на рабочем поле источник постоянного напряжения (вкладка </a:t>
+            </a:r>
+            <a:r>
+              <a:rPr lang="en-US" dirty="0" smtClean="0"/>
+              <a:t>Basic – Voltage Source)</a:t>
+            </a:r>
+            <a:endParaRPr lang="ru-RU" dirty="0"/>
+          </a:p>
+        </p:txBody>
+      </p:sp>
+      <p:cxnSp>
+        <p:nvCxnSpPr>
+          <p:cNvPr id="7" name="Прямая со стрелкой 6"/>
+          <p:cNvCxnSpPr/>
+          <p:nvPr/>
+        </p:nvCxnSpPr>
+        <p:spPr>
+          <a:xfrm flipH="1" flipV="1">
+            <a:off x="2173857" y="3640347"/>
+            <a:ext cx="2605177" cy="897147"/>
+          </a:xfrm>
+          <a:prstGeom prst="straightConnector1">
+            <a:avLst/>
+          </a:prstGeom>
+          <a:ln w="38100">
+            <a:tailEnd type="triangle"/>
+          </a:ln>
+        </p:spPr>
+        <p:style>
+          <a:lnRef idx="1">
+            <a:schemeClr val="accent1"/>
+          </a:lnRef>
+          <a:fillRef idx="0">
+            <a:schemeClr val="accent1"/>
+          </a:fillRef>
+          <a:effectRef idx="0">
+            <a:schemeClr val="accent1"/>
+          </a:effectRef>
+          <a:fontRef idx="minor">
+            <a:schemeClr val="tx1"/>
+          </a:fontRef>
+        </p:style>
+      </p:cxnSp>
+      <p:sp>
+        <p:nvSpPr>
+          <p:cNvPr id="8" name="Овал 7"/>
+          <p:cNvSpPr/>
+          <p:nvPr/>
+        </p:nvSpPr>
+        <p:spPr>
+          <a:xfrm>
+            <a:off x="1371600" y="1414732"/>
+            <a:ext cx="293298" cy="155276"/>
+          </a:xfrm>
+          <a:prstGeom prst="ellipse">
+            <a:avLst/>
+          </a:prstGeom>
+          <a:noFill/>
+          <a:ln w="38100">
+            <a:solidFill>
+              <a:srgbClr val="C00000"/>
+            </a:solidFill>
+          </a:ln>
+        </p:spPr>
+        <p:style>
+          <a:lnRef idx="2">
+            <a:schemeClr val="accent1">
+              <a:shade val="50000"/>
+            </a:schemeClr>
+          </a:lnRef>
+          <a:fillRef idx="1">
+            <a:schemeClr val="accent1"/>
+          </a:fillRef>
+          <a:effectRef idx="0">
+            <a:schemeClr val="accent1"/>
+          </a:effectRef>
+          <a:fontRef idx="minor">
+            <a:schemeClr val="lt1"/>
+          </a:fontRef>
+        </p:style>
+        <p:txBody>
+          <a:bodyPr rtlCol="0" anchor="ctr"/>
+          <a:lstStyle/>
+          <a:p>
+            <a:pPr algn="ctr"/>
+            <a:endParaRPr lang="ru-RU">
+              <a:solidFill>
+                <a:srgbClr val="FF0000"/>
+              </a:solidFill>
+            </a:endParaRPr>
+          </a:p>
+        </p:txBody>
+      </p:sp>
+      <p:sp>
+        <p:nvSpPr>
+          <p:cNvPr id="9" name="Овал 8"/>
+          <p:cNvSpPr/>
+          <p:nvPr/>
+        </p:nvSpPr>
+        <p:spPr>
+          <a:xfrm>
+            <a:off x="1664898" y="1121434"/>
+            <a:ext cx="345057" cy="293298"/>
+          </a:xfrm>
+          <a:prstGeom prst="ellipse">
+            <a:avLst/>
+          </a:prstGeom>
+          <a:noFill/>
+          <a:ln w="38100"/>
+        </p:spPr>
+        <p:style>
+          <a:lnRef idx="2">
+            <a:schemeClr val="accent1">
+              <a:shade val="50000"/>
+            </a:schemeClr>
+          </a:lnRef>
+          <a:fillRef idx="1">
+            <a:schemeClr val="accent1"/>
+          </a:fillRef>
+          <a:effectRef idx="0">
+            <a:schemeClr val="accent1"/>
+          </a:effectRef>
+          <a:fontRef idx="minor">
+            <a:schemeClr val="lt1"/>
+          </a:fontRef>
+        </p:style>
+        <p:txBody>
+          <a:bodyPr rtlCol="0" anchor="ctr"/>
+          <a:lstStyle/>
+          <a:p>
+            <a:pPr algn="ctr"/>
+            <a:endParaRPr lang="ru-RU"/>
+          </a:p>
+        </p:txBody>
+      </p:sp>
+    </p:spTree>
+    <p:extLst>
+      <p:ext uri="{BB962C8B-B14F-4D97-AF65-F5344CB8AC3E}">
+        <p14:creationId xmlns:p14="http://schemas.microsoft.com/office/powerpoint/2010/main" val="4143921451"/>
+      </p:ext>
+    </p:extLst>
+  </p:cSld>
+  <p:clrMapOvr>
+    <a:masterClrMapping/>
+  </p:clrMapOvr>
+</p:sld>
+</file>
+
+<file path=ppt/slides/slide5.xml><?xml version="1.0" encoding="utf-8"?>
+<p:sld xmlns:a="http://schemas.openxmlformats.org/drawingml/2006/main" xmlns:r="http://schemas.openxmlformats.org/officeDocument/2006/relationships" xmlns:p="http://schemas.openxmlformats.org/presentationml/2006/main">
+  <p:cSld>
+    <p:spTree>
+      <p:nvGrpSpPr>
+        <p:cNvPr id="1" name=""/>
+        <p:cNvGrpSpPr/>
+        <p:nvPr/>
+      </p:nvGrpSpPr>
+      <p:grpSpPr>
+        <a:xfrm>
+          <a:off x="0" y="0"/>
+          <a:ext cx="0" cy="0"/>
+          <a:chOff x="0" y="0"/>
+          <a:chExt cx="0" cy="0"/>
+        </a:xfrm>
+      </p:grpSpPr>
+      <p:pic>
+        <p:nvPicPr>
+          <p:cNvPr id="4" name="Рисунок 3"/>
+          <p:cNvPicPr>
+            <a:picLocks noChangeAspect="1"/>
+          </p:cNvPicPr>
+          <p:nvPr/>
+        </p:nvPicPr>
+        <p:blipFill>
+          <a:blip r:embed="rId2"/>
+          <a:stretch>
+            <a:fillRect/>
+          </a:stretch>
+        </p:blipFill>
+        <p:spPr>
+          <a:xfrm>
+            <a:off x="983411" y="517834"/>
+            <a:ext cx="8509644" cy="5270489"/>
+          </a:xfrm>
+          <a:prstGeom prst="rect">
+            <a:avLst/>
+          </a:prstGeom>
+        </p:spPr>
+      </p:pic>
+      <p:sp>
+        <p:nvSpPr>
+          <p:cNvPr id="5" name="Прямоугольник 4"/>
+          <p:cNvSpPr/>
+          <p:nvPr/>
+        </p:nvSpPr>
+        <p:spPr>
+          <a:xfrm>
+            <a:off x="4390570" y="3584902"/>
+            <a:ext cx="2976388" cy="1332154"/>
+          </a:xfrm>
+          <a:prstGeom prst="rect">
+            <a:avLst/>
+          </a:prstGeom>
+        </p:spPr>
+        <p:style>
+          <a:lnRef idx="2">
+            <a:schemeClr val="accent1">
+              <a:shade val="50000"/>
+            </a:schemeClr>
+          </a:lnRef>
+          <a:fillRef idx="1">
+            <a:schemeClr val="accent1"/>
+          </a:fillRef>
+          <a:effectRef idx="0">
+            <a:schemeClr val="accent1"/>
+          </a:effectRef>
+          <a:fontRef idx="minor">
+            <a:schemeClr val="lt1"/>
+          </a:fontRef>
+        </p:style>
+        <p:txBody>
+          <a:bodyPr rtlCol="0" anchor="ctr"/>
+          <a:lstStyle/>
+          <a:p>
+            <a:pPr algn="ctr"/>
+            <a:r>
+              <a:rPr lang="ru-RU" dirty="0" smtClean="0"/>
+              <a:t>Устанавливаем на рабочем поле операционный усилитель (вкладка </a:t>
+            </a:r>
+            <a:r>
+              <a:rPr lang="en-US" dirty="0" smtClean="0"/>
+              <a:t>Semiconductors – Operational Amplifier)</a:t>
+            </a:r>
+            <a:endParaRPr lang="ru-RU" dirty="0"/>
+          </a:p>
+        </p:txBody>
+      </p:sp>
+      <p:cxnSp>
+        <p:nvCxnSpPr>
+          <p:cNvPr id="7" name="Прямая со стрелкой 6"/>
+          <p:cNvCxnSpPr/>
+          <p:nvPr/>
+        </p:nvCxnSpPr>
+        <p:spPr>
+          <a:xfrm flipV="1">
+            <a:off x="7177177" y="3062377"/>
+            <a:ext cx="1181819" cy="414068"/>
+          </a:xfrm>
+          <a:prstGeom prst="straightConnector1">
+            <a:avLst/>
+          </a:prstGeom>
+          <a:ln w="38100">
+            <a:tailEnd type="triangle"/>
+          </a:ln>
+        </p:spPr>
+        <p:style>
+          <a:lnRef idx="1">
+            <a:schemeClr val="accent1"/>
+          </a:lnRef>
+          <a:fillRef idx="0">
+            <a:schemeClr val="accent1"/>
+          </a:fillRef>
+          <a:effectRef idx="0">
+            <a:schemeClr val="accent1"/>
+          </a:effectRef>
+          <a:fontRef idx="minor">
+            <a:schemeClr val="tx1"/>
+          </a:fontRef>
+        </p:style>
+      </p:cxnSp>
+    </p:spTree>
+    <p:extLst>
+      <p:ext uri="{BB962C8B-B14F-4D97-AF65-F5344CB8AC3E}">
+        <p14:creationId xmlns:p14="http://schemas.microsoft.com/office/powerpoint/2010/main" val="3776809695"/>
+      </p:ext>
+    </p:extLst>
+  </p:cSld>
+  <p:clrMapOvr>
+    <a:masterClrMapping/>
+  </p:clrMapOvr>
+</p:sld>
+</file>
+
+<file path=ppt/slides/slide6.xml><?xml version="1.0" encoding="utf-8"?>
+<p:sld xmlns:a="http://schemas.openxmlformats.org/drawingml/2006/main" xmlns:r="http://schemas.openxmlformats.org/officeDocument/2006/relationships" xmlns:p="http://schemas.openxmlformats.org/presentationml/2006/main">
+  <p:cSld>
+    <p:spTree>
+      <p:nvGrpSpPr>
+        <p:cNvPr id="1" name=""/>
+        <p:cNvGrpSpPr/>
+        <p:nvPr/>
+      </p:nvGrpSpPr>
+      <p:grpSpPr>
+        <a:xfrm>
+          <a:off x="0" y="0"/>
+          <a:ext cx="0" cy="0"/>
+          <a:chOff x="0" y="0"/>
+          <a:chExt cx="0" cy="0"/>
+        </a:xfrm>
+      </p:grpSpPr>
+      <p:pic>
+        <p:nvPicPr>
+          <p:cNvPr id="4" name="Рисунок 3"/>
+          <p:cNvPicPr>
+            <a:picLocks noChangeAspect="1"/>
+          </p:cNvPicPr>
+          <p:nvPr/>
+        </p:nvPicPr>
+        <p:blipFill>
+          <a:blip r:embed="rId2"/>
+          <a:stretch>
+            <a:fillRect/>
+          </a:stretch>
+        </p:blipFill>
+        <p:spPr>
+          <a:xfrm>
+            <a:off x="1337095" y="413941"/>
+            <a:ext cx="8429952" cy="5322626"/>
+          </a:xfrm>
+          <a:prstGeom prst="rect">
+            <a:avLst/>
+          </a:prstGeom>
+        </p:spPr>
+      </p:pic>
+      <p:sp>
+        <p:nvSpPr>
+          <p:cNvPr id="5" name="Прямоугольник 4"/>
+          <p:cNvSpPr/>
+          <p:nvPr/>
+        </p:nvSpPr>
+        <p:spPr>
+          <a:xfrm>
+            <a:off x="4390570" y="2409177"/>
+            <a:ext cx="2976388" cy="1332154"/>
+          </a:xfrm>
+          <a:prstGeom prst="rect">
+            <a:avLst/>
+          </a:prstGeom>
+        </p:spPr>
+        <p:style>
+          <a:lnRef idx="2">
+            <a:schemeClr val="accent1">
+              <a:shade val="50000"/>
+            </a:schemeClr>
+          </a:lnRef>
+          <a:fillRef idx="1">
+            <a:schemeClr val="accent1"/>
+          </a:fillRef>
+          <a:effectRef idx="0">
+            <a:schemeClr val="accent1"/>
+          </a:effectRef>
+          <a:fontRef idx="minor">
+            <a:schemeClr val="lt1"/>
+          </a:fontRef>
+        </p:style>
+        <p:txBody>
+          <a:bodyPr rtlCol="0" anchor="ctr"/>
+          <a:lstStyle/>
+          <a:p>
+            <a:pPr algn="ctr"/>
+            <a:r>
+              <a:rPr lang="ru-RU" dirty="0" smtClean="0"/>
+              <a:t>Устанавливаем на рабочем поле батарейки (вкладка </a:t>
+            </a:r>
+            <a:r>
+              <a:rPr lang="en-US" dirty="0" smtClean="0"/>
+              <a:t>Basic – Battery)</a:t>
+            </a:r>
+            <a:endParaRPr lang="ru-RU" dirty="0"/>
+          </a:p>
+        </p:txBody>
+      </p:sp>
+      <p:cxnSp>
+        <p:nvCxnSpPr>
+          <p:cNvPr id="7" name="Прямая со стрелкой 6"/>
+          <p:cNvCxnSpPr/>
+          <p:nvPr/>
+        </p:nvCxnSpPr>
+        <p:spPr>
+          <a:xfrm flipV="1">
+            <a:off x="7366958" y="2260121"/>
+            <a:ext cx="1130061" cy="276045"/>
+          </a:xfrm>
+          <a:prstGeom prst="straightConnector1">
+            <a:avLst/>
+          </a:prstGeom>
+          <a:ln w="38100">
+            <a:tailEnd type="triangle"/>
+          </a:ln>
+        </p:spPr>
+        <p:style>
+          <a:lnRef idx="1">
+            <a:schemeClr val="accent1"/>
+          </a:lnRef>
+          <a:fillRef idx="0">
+            <a:schemeClr val="accent1"/>
+          </a:fillRef>
+          <a:effectRef idx="0">
+            <a:schemeClr val="accent1"/>
+          </a:effectRef>
+          <a:fontRef idx="minor">
+            <a:schemeClr val="tx1"/>
+          </a:fontRef>
+        </p:style>
+      </p:cxnSp>
+      <p:cxnSp>
+        <p:nvCxnSpPr>
+          <p:cNvPr id="9" name="Прямая со стрелкой 8"/>
+          <p:cNvCxnSpPr/>
+          <p:nvPr/>
+        </p:nvCxnSpPr>
+        <p:spPr>
+          <a:xfrm>
+            <a:off x="7366958" y="3174521"/>
+            <a:ext cx="1216325" cy="405441"/>
+          </a:xfrm>
+          <a:prstGeom prst="straightConnector1">
+            <a:avLst/>
+          </a:prstGeom>
+          <a:ln w="38100">
+            <a:tailEnd type="triangle"/>
+          </a:ln>
+        </p:spPr>
+        <p:style>
+          <a:lnRef idx="1">
+            <a:schemeClr val="accent1"/>
+          </a:lnRef>
+          <a:fillRef idx="0">
+            <a:schemeClr val="accent1"/>
+          </a:fillRef>
+          <a:effectRef idx="0">
+            <a:schemeClr val="accent1"/>
+          </a:effectRef>
+          <a:fontRef idx="minor">
+            <a:schemeClr val="tx1"/>
+          </a:fontRef>
+        </p:style>
+      </p:cxnSp>
+      <p:sp>
+        <p:nvSpPr>
+          <p:cNvPr id="10" name="Овал 9"/>
+          <p:cNvSpPr/>
+          <p:nvPr/>
+        </p:nvSpPr>
+        <p:spPr>
+          <a:xfrm>
+            <a:off x="1440611" y="1224951"/>
+            <a:ext cx="267419" cy="232913"/>
+          </a:xfrm>
+          <a:prstGeom prst="ellipse">
+            <a:avLst/>
+          </a:prstGeom>
+          <a:noFill/>
+          <a:ln w="38100">
+            <a:solidFill>
+              <a:srgbClr val="C00000"/>
+            </a:solidFill>
+          </a:ln>
+        </p:spPr>
+        <p:style>
+          <a:lnRef idx="2">
+            <a:schemeClr val="accent1">
+              <a:shade val="50000"/>
+            </a:schemeClr>
+          </a:lnRef>
+          <a:fillRef idx="1">
+            <a:schemeClr val="accent1"/>
+          </a:fillRef>
+          <a:effectRef idx="0">
+            <a:schemeClr val="accent1"/>
+          </a:effectRef>
+          <a:fontRef idx="minor">
+            <a:schemeClr val="lt1"/>
+          </a:fontRef>
+        </p:style>
+        <p:txBody>
+          <a:bodyPr rtlCol="0" anchor="ctr"/>
+          <a:lstStyle/>
+          <a:p>
+            <a:pPr algn="ctr"/>
+            <a:endParaRPr lang="ru-RU"/>
+          </a:p>
+        </p:txBody>
+      </p:sp>
+      <p:sp>
+        <p:nvSpPr>
+          <p:cNvPr id="11" name="Овал 10"/>
+          <p:cNvSpPr/>
+          <p:nvPr/>
+        </p:nvSpPr>
+        <p:spPr>
+          <a:xfrm>
+            <a:off x="1949570" y="983411"/>
+            <a:ext cx="310551" cy="327804"/>
+          </a:xfrm>
+          <a:prstGeom prst="ellipse">
+            <a:avLst/>
+          </a:prstGeom>
+          <a:noFill/>
+          <a:ln w="38100">
+            <a:solidFill>
+              <a:srgbClr val="C00000"/>
+            </a:solidFill>
+          </a:ln>
+        </p:spPr>
+        <p:style>
+          <a:lnRef idx="2">
+            <a:schemeClr val="accent1">
+              <a:shade val="50000"/>
+            </a:schemeClr>
+          </a:lnRef>
+          <a:fillRef idx="1">
+            <a:schemeClr val="accent1"/>
+          </a:fillRef>
+          <a:effectRef idx="0">
+            <a:schemeClr val="accent1"/>
+          </a:effectRef>
+          <a:fontRef idx="minor">
+            <a:schemeClr val="lt1"/>
+          </a:fontRef>
+        </p:style>
+        <p:txBody>
+          <a:bodyPr rtlCol="0" anchor="ctr"/>
+          <a:lstStyle/>
+          <a:p>
+            <a:pPr algn="ctr"/>
+            <a:endParaRPr lang="ru-RU"/>
+          </a:p>
+        </p:txBody>
+      </p:sp>
+    </p:spTree>
+    <p:extLst>
+      <p:ext uri="{BB962C8B-B14F-4D97-AF65-F5344CB8AC3E}">
+        <p14:creationId xmlns:p14="http://schemas.microsoft.com/office/powerpoint/2010/main" val="2534407991"/>
+      </p:ext>
+    </p:extLst>
+  </p:cSld>
+  <p:clrMapOvr>
+    <a:masterClrMapping/>
+  </p:clrMapOvr>
+</p:sld>
+</file>
+
+<file path=ppt/slides/slide7.xml><?xml version="1.0" encoding="utf-8"?>
+<p:sld xmlns:a="http://schemas.openxmlformats.org/drawingml/2006/main" xmlns:r="http://schemas.openxmlformats.org/officeDocument/2006/relationships" xmlns:p="http://schemas.openxmlformats.org/presentationml/2006/main">
+  <p:cSld>
+    <p:spTree>
+      <p:nvGrpSpPr>
+        <p:cNvPr id="1" name=""/>
+        <p:cNvGrpSpPr/>
+        <p:nvPr/>
+      </p:nvGrpSpPr>
+      <p:grpSpPr>
+        <a:xfrm>
+          <a:off x="0" y="0"/>
+          <a:ext cx="0" cy="0"/>
+          <a:chOff x="0" y="0"/>
+          <a:chExt cx="0" cy="0"/>
+        </a:xfrm>
+      </p:grpSpPr>
+      <p:pic>
+        <p:nvPicPr>
+          <p:cNvPr id="5" name="Рисунок 4"/>
+          <p:cNvPicPr>
+            <a:picLocks noChangeAspect="1"/>
+          </p:cNvPicPr>
+          <p:nvPr/>
+        </p:nvPicPr>
+        <p:blipFill>
+          <a:blip r:embed="rId2"/>
+          <a:stretch>
+            <a:fillRect/>
+          </a:stretch>
+        </p:blipFill>
+        <p:spPr>
+          <a:xfrm>
+            <a:off x="1535502" y="509437"/>
+            <a:ext cx="8332398" cy="5554932"/>
+          </a:xfrm>
+          <a:prstGeom prst="rect">
+            <a:avLst/>
+          </a:prstGeom>
+        </p:spPr>
+      </p:pic>
+      <p:sp>
+        <p:nvSpPr>
+          <p:cNvPr id="6" name="Прямоугольник 5"/>
+          <p:cNvSpPr/>
+          <p:nvPr/>
+        </p:nvSpPr>
+        <p:spPr>
+          <a:xfrm>
+            <a:off x="4770133" y="4988476"/>
+            <a:ext cx="2976388" cy="1332154"/>
+          </a:xfrm>
+          <a:prstGeom prst="rect">
+            <a:avLst/>
+          </a:prstGeom>
+        </p:spPr>
+        <p:style>
+          <a:lnRef idx="2">
+            <a:schemeClr val="accent1">
+              <a:shade val="50000"/>
+            </a:schemeClr>
+          </a:lnRef>
+          <a:fillRef idx="1">
+            <a:schemeClr val="accent1"/>
+          </a:fillRef>
+          <a:effectRef idx="0">
+            <a:schemeClr val="accent1"/>
+          </a:effectRef>
+          <a:fontRef idx="minor">
+            <a:schemeClr val="lt1"/>
+          </a:fontRef>
+        </p:style>
+        <p:txBody>
+          <a:bodyPr rtlCol="0" anchor="ctr"/>
+          <a:lstStyle/>
+          <a:p>
+            <a:pPr algn="ctr"/>
+            <a:r>
+              <a:rPr lang="ru-RU" dirty="0" smtClean="0"/>
+              <a:t>Устанавливаем на рабочем поле заземление (вкладка </a:t>
+            </a:r>
+            <a:r>
+              <a:rPr lang="en-US" dirty="0" smtClean="0"/>
+              <a:t>Basic – Ground)</a:t>
+            </a:r>
+            <a:endParaRPr lang="ru-RU" dirty="0"/>
+          </a:p>
+        </p:txBody>
+      </p:sp>
+      <p:cxnSp>
+        <p:nvCxnSpPr>
+          <p:cNvPr id="10" name="Прямая со стрелкой 9"/>
+          <p:cNvCxnSpPr/>
+          <p:nvPr/>
+        </p:nvCxnSpPr>
+        <p:spPr>
+          <a:xfrm flipH="1">
+            <a:off x="2398143" y="5822830"/>
+            <a:ext cx="2216989" cy="112144"/>
+          </a:xfrm>
+          <a:prstGeom prst="straightConnector1">
+            <a:avLst/>
+          </a:prstGeom>
+          <a:ln w="38100">
+            <a:tailEnd type="triangle"/>
+          </a:ln>
+        </p:spPr>
+        <p:style>
+          <a:lnRef idx="1">
+            <a:schemeClr val="accent1"/>
+          </a:lnRef>
+          <a:fillRef idx="0">
+            <a:schemeClr val="accent1"/>
+          </a:fillRef>
+          <a:effectRef idx="0">
+            <a:schemeClr val="accent1"/>
+          </a:effectRef>
+          <a:fontRef idx="minor">
+            <a:schemeClr val="tx1"/>
+          </a:fontRef>
+        </p:style>
+      </p:cxnSp>
+      <p:sp>
+        <p:nvSpPr>
+          <p:cNvPr id="11" name="Овал 10"/>
+          <p:cNvSpPr/>
+          <p:nvPr/>
+        </p:nvSpPr>
+        <p:spPr>
+          <a:xfrm>
+            <a:off x="1604513" y="1302589"/>
+            <a:ext cx="353683" cy="241539"/>
+          </a:xfrm>
+          <a:prstGeom prst="ellipse">
+            <a:avLst/>
+          </a:prstGeom>
+          <a:noFill/>
+          <a:ln w="38100">
+            <a:solidFill>
+              <a:srgbClr val="C00000"/>
+            </a:solidFill>
+          </a:ln>
+        </p:spPr>
+        <p:style>
+          <a:lnRef idx="2">
+            <a:schemeClr val="accent1">
+              <a:shade val="50000"/>
+            </a:schemeClr>
+          </a:lnRef>
+          <a:fillRef idx="1">
+            <a:schemeClr val="accent1"/>
+          </a:fillRef>
+          <a:effectRef idx="0">
+            <a:schemeClr val="accent1"/>
+          </a:effectRef>
+          <a:fontRef idx="minor">
+            <a:schemeClr val="lt1"/>
+          </a:fontRef>
+        </p:style>
+        <p:txBody>
+          <a:bodyPr rtlCol="0" anchor="ctr"/>
+          <a:lstStyle/>
+          <a:p>
+            <a:pPr algn="ctr"/>
+            <a:endParaRPr lang="ru-RU"/>
+          </a:p>
+        </p:txBody>
+      </p:sp>
+      <p:sp>
+        <p:nvSpPr>
+          <p:cNvPr id="12" name="Овал 11"/>
+          <p:cNvSpPr/>
+          <p:nvPr/>
+        </p:nvSpPr>
+        <p:spPr>
+          <a:xfrm>
+            <a:off x="1630392" y="1043796"/>
+            <a:ext cx="353683" cy="345057"/>
+          </a:xfrm>
+          <a:prstGeom prst="ellipse">
+            <a:avLst/>
+          </a:prstGeom>
+          <a:noFill/>
+          <a:ln w="38100">
+            <a:solidFill>
+              <a:srgbClr val="C00000"/>
+            </a:solidFill>
+          </a:ln>
+        </p:spPr>
+        <p:style>
+          <a:lnRef idx="2">
+            <a:schemeClr val="accent1">
+              <a:shade val="50000"/>
+            </a:schemeClr>
+          </a:lnRef>
+          <a:fillRef idx="1">
+            <a:schemeClr val="accent1"/>
+          </a:fillRef>
+          <a:effectRef idx="0">
+            <a:schemeClr val="accent1"/>
+          </a:effectRef>
+          <a:fontRef idx="minor">
+            <a:schemeClr val="lt1"/>
+          </a:fontRef>
+        </p:style>
+        <p:txBody>
+          <a:bodyPr rtlCol="0" anchor="ctr"/>
+          <a:lstStyle/>
+          <a:p>
+            <a:pPr algn="ctr"/>
+            <a:endParaRPr lang="ru-RU"/>
+          </a:p>
+        </p:txBody>
+      </p:sp>
+    </p:spTree>
+    <p:extLst>
+      <p:ext uri="{BB962C8B-B14F-4D97-AF65-F5344CB8AC3E}">
+        <p14:creationId xmlns:p14="http://schemas.microsoft.com/office/powerpoint/2010/main" val="1505483588"/>
+      </p:ext>
+    </p:extLst>
+  </p:cSld>
+  <p:clrMapOvr>
+    <a:masterClrMapping/>
+  </p:clrMapOvr>
+</p:sld>
+</file>
+
+<file path=ppt/slides/slide8.xml><?xml version="1.0" encoding="utf-8"?>
+<p:sld xmlns:a="http://schemas.openxmlformats.org/drawingml/2006/main" xmlns:r="http://schemas.openxmlformats.org/officeDocument/2006/relationships" xmlns:p="http://schemas.openxmlformats.org/presentationml/2006/main">
+  <p:cSld>
+    <p:spTree>
+      <p:nvGrpSpPr>
+        <p:cNvPr id="1" name=""/>
+        <p:cNvGrpSpPr/>
+        <p:nvPr/>
+      </p:nvGrpSpPr>
+      <p:grpSpPr>
+        <a:xfrm>
+          <a:off x="0" y="0"/>
+          <a:ext cx="0" cy="0"/>
+          <a:chOff x="0" y="0"/>
+          <a:chExt cx="0" cy="0"/>
+        </a:xfrm>
+      </p:grpSpPr>
+      <p:pic>
+        <p:nvPicPr>
+          <p:cNvPr id="4" name="Рисунок 3"/>
+          <p:cNvPicPr>
+            <a:picLocks noChangeAspect="1"/>
+          </p:cNvPicPr>
+          <p:nvPr/>
+        </p:nvPicPr>
+        <p:blipFill>
+          <a:blip r:embed="rId2"/>
+          <a:stretch>
+            <a:fillRect/>
+          </a:stretch>
+        </p:blipFill>
+        <p:spPr>
+          <a:xfrm>
+            <a:off x="948906" y="486711"/>
+            <a:ext cx="8982973" cy="4914122"/>
+          </a:xfrm>
+          <a:prstGeom prst="rect">
+            <a:avLst/>
+          </a:prstGeom>
+        </p:spPr>
+      </p:pic>
+      <p:sp>
+        <p:nvSpPr>
+          <p:cNvPr id="5" name="Прямоугольник 4"/>
+          <p:cNvSpPr/>
+          <p:nvPr/>
+        </p:nvSpPr>
+        <p:spPr>
+          <a:xfrm>
+            <a:off x="3952198" y="1995110"/>
+            <a:ext cx="2976388" cy="1332154"/>
+          </a:xfrm>
+          <a:prstGeom prst="rect">
+            <a:avLst/>
+          </a:prstGeom>
+        </p:spPr>
+        <p:style>
+          <a:lnRef idx="2">
+            <a:schemeClr val="accent1">
+              <a:shade val="50000"/>
+            </a:schemeClr>
+          </a:lnRef>
+          <a:fillRef idx="1">
+            <a:schemeClr val="accent1"/>
+          </a:fillRef>
+          <a:effectRef idx="0">
+            <a:schemeClr val="accent1"/>
+          </a:effectRef>
+          <a:fontRef idx="minor">
+            <a:schemeClr val="lt1"/>
+          </a:fontRef>
+        </p:style>
+        <p:txBody>
+          <a:bodyPr rtlCol="0" anchor="ctr"/>
+          <a:lstStyle/>
+          <a:p>
+            <a:pPr algn="ctr"/>
+            <a:r>
+              <a:rPr lang="ru-RU" dirty="0" smtClean="0"/>
+              <a:t>Устанавливаем на рабочем поле вольтметры (вкладка </a:t>
+            </a:r>
+            <a:r>
+              <a:rPr lang="en-US" dirty="0" smtClean="0"/>
+              <a:t>Basic – Volt Meter)</a:t>
+            </a:r>
+            <a:endParaRPr lang="ru-RU" dirty="0"/>
+          </a:p>
+        </p:txBody>
+      </p:sp>
+      <p:cxnSp>
+        <p:nvCxnSpPr>
+          <p:cNvPr id="7" name="Прямая со стрелкой 6"/>
+          <p:cNvCxnSpPr/>
+          <p:nvPr/>
+        </p:nvCxnSpPr>
+        <p:spPr>
+          <a:xfrm flipH="1">
+            <a:off x="3994030" y="3502325"/>
+            <a:ext cx="577970" cy="1164566"/>
+          </a:xfrm>
+          <a:prstGeom prst="straightConnector1">
+            <a:avLst/>
+          </a:prstGeom>
+          <a:ln w="38100">
+            <a:tailEnd type="triangle"/>
+          </a:ln>
+        </p:spPr>
+        <p:style>
+          <a:lnRef idx="1">
+            <a:schemeClr val="accent1"/>
+          </a:lnRef>
+          <a:fillRef idx="0">
+            <a:schemeClr val="accent1"/>
+          </a:fillRef>
+          <a:effectRef idx="0">
+            <a:schemeClr val="accent1"/>
+          </a:effectRef>
+          <a:fontRef idx="minor">
+            <a:schemeClr val="tx1"/>
+          </a:fontRef>
+        </p:style>
+      </p:cxnSp>
+      <p:cxnSp>
+        <p:nvCxnSpPr>
+          <p:cNvPr id="9" name="Прямая со стрелкой 8"/>
+          <p:cNvCxnSpPr/>
+          <p:nvPr/>
+        </p:nvCxnSpPr>
+        <p:spPr>
+          <a:xfrm>
+            <a:off x="5253487" y="3459192"/>
+            <a:ext cx="112143" cy="1293963"/>
+          </a:xfrm>
+          <a:prstGeom prst="straightConnector1">
+            <a:avLst/>
+          </a:prstGeom>
+          <a:ln w="38100">
+            <a:tailEnd type="triangle"/>
+          </a:ln>
+        </p:spPr>
+        <p:style>
+          <a:lnRef idx="1">
+            <a:schemeClr val="accent1"/>
+          </a:lnRef>
+          <a:fillRef idx="0">
+            <a:schemeClr val="accent1"/>
+          </a:fillRef>
+          <a:effectRef idx="0">
+            <a:schemeClr val="accent1"/>
+          </a:effectRef>
+          <a:fontRef idx="minor">
+            <a:schemeClr val="tx1"/>
+          </a:fontRef>
+        </p:style>
+      </p:cxnSp>
+      <p:cxnSp>
+        <p:nvCxnSpPr>
+          <p:cNvPr id="11" name="Прямая со стрелкой 10"/>
+          <p:cNvCxnSpPr/>
+          <p:nvPr/>
+        </p:nvCxnSpPr>
+        <p:spPr>
+          <a:xfrm>
+            <a:off x="7013275" y="2943772"/>
+            <a:ext cx="2398144" cy="308386"/>
+          </a:xfrm>
+          <a:prstGeom prst="straightConnector1">
+            <a:avLst/>
+          </a:prstGeom>
+          <a:ln w="38100">
+            <a:tailEnd type="triangle"/>
+          </a:ln>
+        </p:spPr>
+        <p:style>
+          <a:lnRef idx="1">
+            <a:schemeClr val="accent1"/>
+          </a:lnRef>
+          <a:fillRef idx="0">
+            <a:schemeClr val="accent1"/>
+          </a:fillRef>
+          <a:effectRef idx="0">
+            <a:schemeClr val="accent1"/>
+          </a:effectRef>
+          <a:fontRef idx="minor">
+            <a:schemeClr val="tx1"/>
+          </a:fontRef>
+        </p:style>
+      </p:cxnSp>
+      <p:sp>
+        <p:nvSpPr>
+          <p:cNvPr id="12" name="Овал 11"/>
+          <p:cNvSpPr/>
+          <p:nvPr/>
+        </p:nvSpPr>
+        <p:spPr>
+          <a:xfrm>
+            <a:off x="948906" y="1207698"/>
+            <a:ext cx="353683" cy="198408"/>
+          </a:xfrm>
+          <a:prstGeom prst="ellipse">
+            <a:avLst/>
+          </a:prstGeom>
+          <a:noFill/>
+          <a:ln w="38100">
+            <a:solidFill>
+              <a:srgbClr val="C00000"/>
+            </a:solidFill>
+          </a:ln>
+        </p:spPr>
+        <p:style>
+          <a:lnRef idx="2">
+            <a:schemeClr val="accent1">
+              <a:shade val="50000"/>
+            </a:schemeClr>
+          </a:lnRef>
+          <a:fillRef idx="1">
+            <a:schemeClr val="accent1"/>
+          </a:fillRef>
+          <a:effectRef idx="0">
+            <a:schemeClr val="accent1"/>
+          </a:effectRef>
+          <a:fontRef idx="minor">
+            <a:schemeClr val="lt1"/>
+          </a:fontRef>
+        </p:style>
+        <p:txBody>
+          <a:bodyPr rtlCol="0" anchor="ctr"/>
+          <a:lstStyle/>
+          <a:p>
+            <a:pPr algn="ctr"/>
+            <a:endParaRPr lang="ru-RU"/>
+          </a:p>
+        </p:txBody>
+      </p:sp>
+      <p:sp>
+        <p:nvSpPr>
+          <p:cNvPr id="13" name="Овал 12"/>
+          <p:cNvSpPr/>
+          <p:nvPr/>
+        </p:nvSpPr>
+        <p:spPr>
+          <a:xfrm>
+            <a:off x="1871932" y="957532"/>
+            <a:ext cx="327804" cy="379562"/>
+          </a:xfrm>
+          <a:prstGeom prst="ellipse">
+            <a:avLst/>
+          </a:prstGeom>
+          <a:noFill/>
+          <a:ln w="38100">
+            <a:solidFill>
+              <a:srgbClr val="C00000"/>
+            </a:solidFill>
+          </a:ln>
+        </p:spPr>
+        <p:style>
+          <a:lnRef idx="2">
+            <a:schemeClr val="accent1">
+              <a:shade val="50000"/>
+            </a:schemeClr>
+          </a:lnRef>
+          <a:fillRef idx="1">
+            <a:schemeClr val="accent1"/>
+          </a:fillRef>
+          <a:effectRef idx="0">
+            <a:schemeClr val="accent1"/>
+          </a:effectRef>
+          <a:fontRef idx="minor">
+            <a:schemeClr val="lt1"/>
+          </a:fontRef>
+        </p:style>
+        <p:txBody>
+          <a:bodyPr rtlCol="0" anchor="ctr"/>
+          <a:lstStyle/>
+          <a:p>
+            <a:pPr algn="ctr"/>
+            <a:endParaRPr lang="ru-RU"/>
+          </a:p>
+        </p:txBody>
+      </p:sp>
+    </p:spTree>
+    <p:extLst>
+      <p:ext uri="{BB962C8B-B14F-4D97-AF65-F5344CB8AC3E}">
+        <p14:creationId xmlns:p14="http://schemas.microsoft.com/office/powerpoint/2010/main" val="2528160664"/>
+      </p:ext>
+    </p:extLst>
+  </p:cSld>
+  <p:clrMapOvr>
+    <a:masterClrMapping/>
+  </p:clrMapOvr>
+</p:sld>
+</file>
+
+<file path=ppt/slides/slide9.xml><?xml version="1.0" encoding="utf-8"?>
+<p:sld xmlns:a="http://schemas.openxmlformats.org/drawingml/2006/main" xmlns:r="http://schemas.openxmlformats.org/officeDocument/2006/relationships" xmlns:p="http://schemas.openxmlformats.org/presentationml/2006/main">
+  <p:cSld>
+    <p:spTree>
+      <p:nvGrpSpPr>
+        <p:cNvPr id="1" name=""/>
+        <p:cNvGrpSpPr/>
+        <p:nvPr/>
+      </p:nvGrpSpPr>
+      <p:grpSpPr>
+        <a:xfrm>
+          <a:off x="0" y="0"/>
+          <a:ext cx="0" cy="0"/>
+          <a:chOff x="0" y="0"/>
+          <a:chExt cx="0" cy="0"/>
+        </a:xfrm>
+      </p:grpSpPr>
+      <p:pic>
+        <p:nvPicPr>
+          <p:cNvPr id="5" name="Рисунок 4"/>
+          <p:cNvPicPr>
+            <a:picLocks noChangeAspect="1"/>
+          </p:cNvPicPr>
+          <p:nvPr/>
+        </p:nvPicPr>
+        <p:blipFill>
+          <a:blip r:embed="rId2"/>
+          <a:stretch>
+            <a:fillRect/>
+          </a:stretch>
+        </p:blipFill>
+        <p:spPr>
+          <a:xfrm>
+            <a:off x="1095556" y="612066"/>
+            <a:ext cx="9897372" cy="5178095"/>
+          </a:xfrm>
+          <a:prstGeom prst="rect">
+            <a:avLst/>
+          </a:prstGeom>
+        </p:spPr>
+      </p:pic>
+    </p:spTree>
+    <p:extLst>
+      <p:ext uri="{BB962C8B-B14F-4D97-AF65-F5344CB8AC3E}">
+        <p14:creationId xmlns:p14="http://schemas.microsoft.com/office/powerpoint/2010/main" val="970409663"/>
+      </p:ext>
+    </p:extLst>
+  </p:cSld>
+  <p:clrMapOvr>
+    <a:masterClrMapping/>
+  </p:clrMapOvr>
+</p:sld>
+</file>
+
 <file path=ppt/theme/theme1.xml><?xml version="1.0" encoding="utf-8"?>
 <a:theme xmlns:a="http://schemas.openxmlformats.org/drawingml/2006/main" name="Тема Office">
   <a:themeElements>
